--- a/paper/ImageNet-trained CNNs are biased towards texture.pptx
+++ b/paper/ImageNet-trained CNNs are biased towards texture.pptx
@@ -5,20 +5,24 @@
     <p:sldMasterId id="2147483648" r:id="rId4"/>
   </p:sldMasterIdLst>
   <p:notesMasterIdLst>
-    <p:notesMasterId r:id="rId13"/>
+    <p:notesMasterId r:id="rId17"/>
   </p:notesMasterIdLst>
   <p:handoutMasterIdLst>
-    <p:handoutMasterId r:id="rId14"/>
+    <p:handoutMasterId r:id="rId18"/>
   </p:handoutMasterIdLst>
   <p:sldIdLst>
     <p:sldId id="256" r:id="rId5"/>
     <p:sldId id="257" r:id="rId6"/>
     <p:sldId id="258" r:id="rId7"/>
     <p:sldId id="259" r:id="rId8"/>
-    <p:sldId id="260" r:id="rId9"/>
-    <p:sldId id="261" r:id="rId10"/>
-    <p:sldId id="262" r:id="rId11"/>
-    <p:sldId id="263" r:id="rId12"/>
+    <p:sldId id="261" r:id="rId9"/>
+    <p:sldId id="260" r:id="rId10"/>
+    <p:sldId id="263" r:id="rId11"/>
+    <p:sldId id="262" r:id="rId12"/>
+    <p:sldId id="266" r:id="rId13"/>
+    <p:sldId id="267" r:id="rId14"/>
+    <p:sldId id="264" r:id="rId15"/>
+    <p:sldId id="265" r:id="rId16"/>
   </p:sldIdLst>
   <p:sldSz cx="9144000" cy="6858000" type="screen4x3"/>
   <p:notesSz cx="6858000" cy="9144000"/>
@@ -281,7 +285,7 @@
             <a:fld id="{0A2B5B2F-03F9-724E-B798-CFF5CCE84D03}" type="datetime1">
               <a:rPr lang="en-US" altLang="en-US"/>
               <a:pPr/>
-              <a:t>12/3/20</a:t>
+              <a:t>12/5/20</a:t>
             </a:fld>
             <a:endParaRPr lang="en-US" altLang="en-US"/>
           </a:p>
@@ -484,7 +488,7 @@
             <a:fld id="{E5B23B26-4293-5446-92C4-FBA6152EFAB2}" type="datetime1">
               <a:rPr lang="en-US" altLang="en-US"/>
               <a:pPr/>
-              <a:t>12/3/20</a:t>
+              <a:t>12/5/20</a:t>
             </a:fld>
             <a:endParaRPr lang="en-US" altLang="en-US"/>
           </a:p>
@@ -1764,7 +1768,7 @@
               </a14:hiddenLine>
             </a:ext>
             <a:ext uri="{FAA26D3D-D897-4be2-8F04-BA451C77F1D7}">
-              <ma14:placeholderFlag xmlns:ma14="http://schemas.microsoft.com/office/mac/drawingml/2011/main" xmlns="" val="1"/>
+              <ma14:placeholderFlag xmlns="" xmlns:ma14="http://schemas.microsoft.com/office/mac/drawingml/2011/main" val="1"/>
             </a:ext>
           </a:extLst>
         </p:spPr>
@@ -1857,7 +1861,7 @@
               </a14:hiddenLine>
             </a:ext>
             <a:ext uri="{FAA26D3D-D897-4be2-8F04-BA451C77F1D7}">
-              <ma14:placeholderFlag xmlns:ma14="http://schemas.microsoft.com/office/mac/drawingml/2011/main" xmlns="" val="1"/>
+              <ma14:placeholderFlag xmlns="" xmlns:ma14="http://schemas.microsoft.com/office/mac/drawingml/2011/main" val="1"/>
             </a:ext>
           </a:extLst>
         </p:spPr>
@@ -2593,6 +2597,1193 @@
 </p:sld>
 </file>
 
+<file path=ppt/slides/slide10.xml><?xml version="1.0" encoding="utf-8"?>
+<p:sld xmlns:a="http://schemas.openxmlformats.org/drawingml/2006/main" xmlns:r="http://schemas.openxmlformats.org/officeDocument/2006/relationships" xmlns:p="http://schemas.openxmlformats.org/presentationml/2006/main">
+  <p:cSld>
+    <p:spTree>
+      <p:nvGrpSpPr>
+        <p:cNvPr id="1" name=""/>
+        <p:cNvGrpSpPr/>
+        <p:nvPr/>
+      </p:nvGrpSpPr>
+      <p:grpSpPr>
+        <a:xfrm>
+          <a:off x="0" y="0"/>
+          <a:ext cx="0" cy="0"/>
+          <a:chOff x="0" y="0"/>
+          <a:chExt cx="0" cy="0"/>
+        </a:xfrm>
+      </p:grpSpPr>
+      <p:sp>
+        <p:nvSpPr>
+          <p:cNvPr id="2" name="Title 1">
+            <a:extLst>
+              <a:ext uri="{FF2B5EF4-FFF2-40B4-BE49-F238E27FC236}">
+                <a16:creationId xmlns:a16="http://schemas.microsoft.com/office/drawing/2014/main" id="{101C5770-F948-C246-B715-9F5959AD22E3}"/>
+              </a:ext>
+            </a:extLst>
+          </p:cNvPr>
+          <p:cNvSpPr>
+            <a:spLocks noGrp="1"/>
+          </p:cNvSpPr>
+          <p:nvPr>
+            <p:ph type="title"/>
+          </p:nvPr>
+        </p:nvSpPr>
+        <p:spPr/>
+        <p:txBody>
+          <a:bodyPr/>
+          <a:lstStyle/>
+          <a:p>
+            <a:r>
+              <a:rPr lang="en-US" altLang="zh-CN" dirty="0"/>
+              <a:t>The</a:t>
+            </a:r>
+            <a:r>
+              <a:rPr lang="zh-CN" altLang="en-US" dirty="0"/>
+              <a:t> </a:t>
+            </a:r>
+            <a:r>
+              <a:rPr lang="en-US" altLang="zh-CN" dirty="0"/>
+              <a:t>experiment</a:t>
+            </a:r>
+            <a:endParaRPr lang="en-AU" dirty="0"/>
+          </a:p>
+        </p:txBody>
+      </p:sp>
+      <p:pic>
+        <p:nvPicPr>
+          <p:cNvPr id="5" name="Picture 4">
+            <a:extLst>
+              <a:ext uri="{FF2B5EF4-FFF2-40B4-BE49-F238E27FC236}">
+                <a16:creationId xmlns:a16="http://schemas.microsoft.com/office/drawing/2014/main" id="{64FA77FF-5474-6743-B85E-D97735EEF838}"/>
+              </a:ext>
+            </a:extLst>
+          </p:cNvPr>
+          <p:cNvPicPr>
+            <a:picLocks noChangeAspect="1"/>
+          </p:cNvPicPr>
+          <p:nvPr/>
+        </p:nvPicPr>
+        <p:blipFill>
+          <a:blip r:embed="rId2">
+            <a:extLst>
+              <a:ext uri="{28A0092B-C50C-407E-A947-70E740481C1C}">
+                <a14:useLocalDpi xmlns:a14="http://schemas.microsoft.com/office/drawing/2010/main" val="0"/>
+              </a:ext>
+            </a:extLst>
+          </a:blip>
+          <a:srcRect/>
+          <a:stretch/>
+        </p:blipFill>
+        <p:spPr>
+          <a:xfrm>
+            <a:off x="1037739" y="1739974"/>
+            <a:ext cx="7068521" cy="3378051"/>
+          </a:xfrm>
+          <a:prstGeom prst="rect">
+            <a:avLst/>
+          </a:prstGeom>
+        </p:spPr>
+      </p:pic>
+      <p:sp>
+        <p:nvSpPr>
+          <p:cNvPr id="4" name="Slide Number Placeholder 3">
+            <a:extLst>
+              <a:ext uri="{FF2B5EF4-FFF2-40B4-BE49-F238E27FC236}">
+                <a16:creationId xmlns:a16="http://schemas.microsoft.com/office/drawing/2014/main" id="{E6AA2541-971E-614D-ADCC-05F37182EDAA}"/>
+              </a:ext>
+            </a:extLst>
+          </p:cNvPr>
+          <p:cNvSpPr>
+            <a:spLocks noGrp="1"/>
+          </p:cNvSpPr>
+          <p:nvPr>
+            <p:ph type="sldNum" sz="quarter" idx="11"/>
+          </p:nvPr>
+        </p:nvSpPr>
+        <p:spPr/>
+        <p:txBody>
+          <a:bodyPr/>
+          <a:lstStyle/>
+          <a:p>
+            <a:fld id="{5C213CF7-9790-6548-95A9-51DD9168E4DE}" type="slidenum">
+              <a:rPr lang="en-US" smtClean="0"/>
+              <a:pPr/>
+              <a:t>9</a:t>
+            </a:fld>
+            <a:endParaRPr lang="en-US" dirty="0"/>
+          </a:p>
+        </p:txBody>
+      </p:sp>
+      <p:sp>
+        <p:nvSpPr>
+          <p:cNvPr id="6" name="TextBox 5">
+            <a:extLst>
+              <a:ext uri="{FF2B5EF4-FFF2-40B4-BE49-F238E27FC236}">
+                <a16:creationId xmlns:a16="http://schemas.microsoft.com/office/drawing/2014/main" id="{A5DD4FDA-9EA1-214D-BEBB-92B8C9465960}"/>
+              </a:ext>
+            </a:extLst>
+          </p:cNvPr>
+          <p:cNvSpPr txBox="1"/>
+          <p:nvPr/>
+        </p:nvSpPr>
+        <p:spPr>
+          <a:xfrm>
+            <a:off x="1881198" y="5229200"/>
+            <a:ext cx="5381601" cy="269304"/>
+          </a:xfrm>
+          <a:prstGeom prst="rect">
+            <a:avLst/>
+          </a:prstGeom>
+        </p:spPr>
+        <p:txBody>
+          <a:bodyPr wrap="none" rtlCol="0">
+            <a:spAutoFit/>
+          </a:bodyPr>
+          <a:lstStyle/>
+          <a:p>
+            <a:pPr marL="342900" indent="-342900" algn="ctr" fontAlgn="auto">
+              <a:spcBef>
+                <a:spcPct val="20000"/>
+              </a:spcBef>
+              <a:spcAft>
+                <a:spcPts val="0"/>
+              </a:spcAft>
+            </a:pPr>
+            <a:r>
+              <a:rPr kumimoji="0" lang="en-US" altLang="zh-CN" sz="1150" b="1" i="0" u="none" strike="noStrike" kern="1200" cap="none" spc="0" normalizeH="0" baseline="0" noProof="0" dirty="0">
+                <a:ln>
+                  <a:noFill/>
+                </a:ln>
+                <a:solidFill>
+                  <a:schemeClr val="tx1"/>
+                </a:solidFill>
+                <a:effectLst/>
+                <a:uLnTx/>
+                <a:uFillTx/>
+                <a:latin typeface="Sommet bold"/>
+                <a:ea typeface="+mn-ea"/>
+                <a:cs typeface="+mn-cs"/>
+              </a:rPr>
+              <a:t>Figure</a:t>
+            </a:r>
+            <a:r>
+              <a:rPr kumimoji="0" lang="zh-CN" altLang="en-US" sz="1150" b="1" i="0" u="none" strike="noStrike" kern="1200" cap="none" spc="0" normalizeH="0" baseline="0" noProof="0" dirty="0">
+                <a:ln>
+                  <a:noFill/>
+                </a:ln>
+                <a:solidFill>
+                  <a:schemeClr val="tx1"/>
+                </a:solidFill>
+                <a:effectLst/>
+                <a:uLnTx/>
+                <a:uFillTx/>
+                <a:latin typeface="Sommet bold"/>
+                <a:ea typeface="+mn-ea"/>
+                <a:cs typeface="+mn-cs"/>
+              </a:rPr>
+              <a:t> </a:t>
+            </a:r>
+            <a:r>
+              <a:rPr kumimoji="0" lang="en-US" altLang="zh-CN" sz="1150" b="1" i="0" u="none" strike="noStrike" kern="1200" cap="none" spc="0" normalizeH="0" baseline="0" noProof="0" dirty="0">
+                <a:ln>
+                  <a:noFill/>
+                </a:ln>
+                <a:solidFill>
+                  <a:schemeClr val="tx1"/>
+                </a:solidFill>
+                <a:effectLst/>
+                <a:uLnTx/>
+                <a:uFillTx/>
+                <a:latin typeface="Sommet bold"/>
+                <a:ea typeface="+mn-ea"/>
+                <a:cs typeface="+mn-cs"/>
+              </a:rPr>
+              <a:t>5:</a:t>
+            </a:r>
+            <a:r>
+              <a:rPr kumimoji="0" lang="zh-CN" altLang="en-US" sz="1150" b="1" i="0" u="none" strike="noStrike" kern="1200" cap="none" spc="0" normalizeH="0" baseline="0" noProof="0" dirty="0">
+                <a:ln>
+                  <a:noFill/>
+                </a:ln>
+                <a:solidFill>
+                  <a:schemeClr val="tx1"/>
+                </a:solidFill>
+                <a:effectLst/>
+                <a:uLnTx/>
+                <a:uFillTx/>
+                <a:latin typeface="Sommet bold"/>
+                <a:ea typeface="+mn-ea"/>
+                <a:cs typeface="+mn-cs"/>
+              </a:rPr>
+              <a:t> </a:t>
+            </a:r>
+            <a:r>
+              <a:rPr lang="en-US" altLang="zh-CN" sz="1150" b="1" dirty="0">
+                <a:latin typeface="Sommet bold"/>
+                <a:ea typeface="+mn-ea"/>
+              </a:rPr>
+              <a:t>Classification</a:t>
+            </a:r>
+            <a:r>
+              <a:rPr lang="zh-CN" altLang="en-US" sz="1150" b="1" dirty="0">
+                <a:latin typeface="Sommet bold"/>
+                <a:ea typeface="+mn-ea"/>
+              </a:rPr>
+              <a:t> </a:t>
+            </a:r>
+            <a:r>
+              <a:rPr lang="en-US" altLang="zh-CN" sz="1150" b="1" dirty="0">
+                <a:latin typeface="Sommet bold"/>
+                <a:ea typeface="+mn-ea"/>
+              </a:rPr>
+              <a:t>accuracy</a:t>
+            </a:r>
+            <a:r>
+              <a:rPr kumimoji="0" lang="zh-CN" altLang="en-US" sz="1150" b="1" i="0" u="none" strike="noStrike" kern="1200" cap="none" spc="0" normalizeH="0" baseline="0" noProof="0" dirty="0">
+                <a:ln>
+                  <a:noFill/>
+                </a:ln>
+                <a:solidFill>
+                  <a:schemeClr val="tx1"/>
+                </a:solidFill>
+                <a:effectLst/>
+                <a:uLnTx/>
+                <a:uFillTx/>
+                <a:latin typeface="Sommet bold"/>
+                <a:ea typeface="+mn-ea"/>
+                <a:cs typeface="+mn-cs"/>
+              </a:rPr>
+              <a:t> </a:t>
+            </a:r>
+            <a:r>
+              <a:rPr kumimoji="0" lang="en-US" altLang="zh-CN" sz="1150" b="1" i="0" u="none" strike="noStrike" kern="1200" cap="none" spc="0" normalizeH="0" baseline="0" noProof="0" dirty="0">
+                <a:ln>
+                  <a:noFill/>
+                </a:ln>
+                <a:solidFill>
+                  <a:schemeClr val="tx1"/>
+                </a:solidFill>
+                <a:effectLst/>
+                <a:uLnTx/>
+                <a:uFillTx/>
+                <a:latin typeface="Sommet bold"/>
+                <a:ea typeface="+mn-ea"/>
+                <a:cs typeface="+mn-cs"/>
+              </a:rPr>
+              <a:t>comparison</a:t>
+            </a:r>
+            <a:r>
+              <a:rPr kumimoji="0" lang="zh-CN" altLang="en-US" sz="1150" b="1" i="0" u="none" strike="noStrike" kern="1200" cap="none" spc="0" normalizeH="0" baseline="0" noProof="0" dirty="0">
+                <a:ln>
+                  <a:noFill/>
+                </a:ln>
+                <a:solidFill>
+                  <a:schemeClr val="tx1"/>
+                </a:solidFill>
+                <a:effectLst/>
+                <a:uLnTx/>
+                <a:uFillTx/>
+                <a:latin typeface="Sommet bold"/>
+                <a:ea typeface="+mn-ea"/>
+                <a:cs typeface="+mn-cs"/>
+              </a:rPr>
+              <a:t> </a:t>
+            </a:r>
+            <a:r>
+              <a:rPr kumimoji="0" lang="en-US" altLang="zh-CN" sz="1150" b="1" i="0" u="none" strike="noStrike" kern="1200" cap="none" spc="0" normalizeH="0" baseline="0" noProof="0" dirty="0">
+                <a:ln>
+                  <a:noFill/>
+                </a:ln>
+                <a:solidFill>
+                  <a:schemeClr val="tx1"/>
+                </a:solidFill>
+                <a:effectLst/>
+                <a:uLnTx/>
+                <a:uFillTx/>
+                <a:latin typeface="Sommet bold"/>
+                <a:ea typeface="+mn-ea"/>
+                <a:cs typeface="+mn-cs"/>
+              </a:rPr>
+              <a:t>on</a:t>
+            </a:r>
+            <a:r>
+              <a:rPr kumimoji="0" lang="zh-CN" altLang="en-US" sz="1150" b="1" i="0" u="none" strike="noStrike" kern="1200" cap="none" spc="0" normalizeH="0" baseline="0" noProof="0" dirty="0">
+                <a:ln>
+                  <a:noFill/>
+                </a:ln>
+                <a:solidFill>
+                  <a:schemeClr val="tx1"/>
+                </a:solidFill>
+                <a:effectLst/>
+                <a:uLnTx/>
+                <a:uFillTx/>
+                <a:latin typeface="Sommet bold"/>
+                <a:ea typeface="+mn-ea"/>
+                <a:cs typeface="+mn-cs"/>
+              </a:rPr>
+              <a:t> </a:t>
+            </a:r>
+            <a:r>
+              <a:rPr kumimoji="0" lang="en-US" altLang="zh-CN" sz="1150" b="1" i="0" u="none" strike="noStrike" kern="1200" cap="none" spc="0" normalizeH="0" baseline="0" noProof="0" dirty="0" err="1">
+                <a:ln>
+                  <a:noFill/>
+                </a:ln>
+                <a:solidFill>
+                  <a:schemeClr val="tx1"/>
+                </a:solidFill>
+                <a:effectLst/>
+                <a:uLnTx/>
+                <a:uFillTx/>
+                <a:latin typeface="Sommet bold"/>
+                <a:ea typeface="+mn-ea"/>
+                <a:cs typeface="+mn-cs"/>
+              </a:rPr>
+              <a:t>disorted</a:t>
+            </a:r>
+            <a:r>
+              <a:rPr kumimoji="0" lang="zh-CN" altLang="en-US" sz="1150" b="1" i="0" u="none" strike="noStrike" kern="1200" cap="none" spc="0" normalizeH="0" baseline="0" noProof="0" dirty="0">
+                <a:ln>
+                  <a:noFill/>
+                </a:ln>
+                <a:solidFill>
+                  <a:schemeClr val="tx1"/>
+                </a:solidFill>
+                <a:effectLst/>
+                <a:uLnTx/>
+                <a:uFillTx/>
+                <a:latin typeface="Sommet bold"/>
+                <a:ea typeface="+mn-ea"/>
+                <a:cs typeface="+mn-cs"/>
+              </a:rPr>
+              <a:t> </a:t>
+            </a:r>
+            <a:r>
+              <a:rPr kumimoji="0" lang="en-US" altLang="zh-CN" sz="1150" b="1" i="0" u="none" strike="noStrike" kern="1200" cap="none" spc="0" normalizeH="0" baseline="0" noProof="0" dirty="0">
+                <a:ln>
+                  <a:noFill/>
+                </a:ln>
+                <a:solidFill>
+                  <a:schemeClr val="tx1"/>
+                </a:solidFill>
+                <a:effectLst/>
+                <a:uLnTx/>
+                <a:uFillTx/>
+                <a:latin typeface="Sommet bold"/>
+                <a:ea typeface="+mn-ea"/>
+                <a:cs typeface="+mn-cs"/>
+              </a:rPr>
+              <a:t>images</a:t>
+            </a:r>
+            <a:r>
+              <a:rPr kumimoji="0" lang="zh-CN" altLang="en-US" sz="1150" b="1" i="0" u="none" strike="noStrike" kern="1200" cap="none" spc="0" normalizeH="0" baseline="0" noProof="0" dirty="0">
+                <a:ln>
+                  <a:noFill/>
+                </a:ln>
+                <a:solidFill>
+                  <a:schemeClr val="tx1"/>
+                </a:solidFill>
+                <a:effectLst/>
+                <a:uLnTx/>
+                <a:uFillTx/>
+                <a:latin typeface="Sommet bold"/>
+                <a:ea typeface="+mn-ea"/>
+                <a:cs typeface="+mn-cs"/>
+              </a:rPr>
+              <a:t> </a:t>
+            </a:r>
+            <a:r>
+              <a:rPr lang="en-AU" altLang="zh-CN" sz="1150" b="1" dirty="0">
+                <a:latin typeface="Sommet bold"/>
+              </a:rPr>
+              <a:t>(</a:t>
+            </a:r>
+            <a:r>
+              <a:rPr lang="en-AU" altLang="zh-CN" sz="1150" b="1" dirty="0" err="1">
+                <a:latin typeface="Sommet bold"/>
+              </a:rPr>
+              <a:t>Geirhos</a:t>
+            </a:r>
+            <a:r>
+              <a:rPr lang="en-AU" altLang="zh-CN" sz="1150" b="1" dirty="0">
+                <a:latin typeface="Sommet bold"/>
+              </a:rPr>
+              <a:t> et al., 2019)</a:t>
+            </a:r>
+            <a:endParaRPr lang="en-AU" sz="1150" b="1" dirty="0">
+              <a:latin typeface="Sommet bold"/>
+            </a:endParaRPr>
+          </a:p>
+        </p:txBody>
+      </p:sp>
+    </p:spTree>
+    <p:extLst>
+      <p:ext uri="{BB962C8B-B14F-4D97-AF65-F5344CB8AC3E}">
+        <p14:creationId xmlns:p14="http://schemas.microsoft.com/office/powerpoint/2010/main" val="3470135778"/>
+      </p:ext>
+    </p:extLst>
+  </p:cSld>
+  <p:clrMapOvr>
+    <a:masterClrMapping/>
+  </p:clrMapOvr>
+</p:sld>
+</file>
+
+<file path=ppt/slides/slide11.xml><?xml version="1.0" encoding="utf-8"?>
+<p:sld xmlns:a="http://schemas.openxmlformats.org/drawingml/2006/main" xmlns:r="http://schemas.openxmlformats.org/officeDocument/2006/relationships" xmlns:p="http://schemas.openxmlformats.org/presentationml/2006/main">
+  <p:cSld>
+    <p:spTree>
+      <p:nvGrpSpPr>
+        <p:cNvPr id="1" name=""/>
+        <p:cNvGrpSpPr/>
+        <p:nvPr/>
+      </p:nvGrpSpPr>
+      <p:grpSpPr>
+        <a:xfrm>
+          <a:off x="0" y="0"/>
+          <a:ext cx="0" cy="0"/>
+          <a:chOff x="0" y="0"/>
+          <a:chExt cx="0" cy="0"/>
+        </a:xfrm>
+      </p:grpSpPr>
+      <p:sp>
+        <p:nvSpPr>
+          <p:cNvPr id="2" name="Title 1">
+            <a:extLst>
+              <a:ext uri="{FF2B5EF4-FFF2-40B4-BE49-F238E27FC236}">
+                <a16:creationId xmlns:a16="http://schemas.microsoft.com/office/drawing/2014/main" id="{BC523D80-4796-4143-8408-6051923F1F17}"/>
+              </a:ext>
+            </a:extLst>
+          </p:cNvPr>
+          <p:cNvSpPr>
+            <a:spLocks noGrp="1"/>
+          </p:cNvSpPr>
+          <p:nvPr>
+            <p:ph type="title"/>
+          </p:nvPr>
+        </p:nvSpPr>
+        <p:spPr/>
+        <p:txBody>
+          <a:bodyPr/>
+          <a:lstStyle/>
+          <a:p>
+            <a:r>
+              <a:rPr lang="en-US" altLang="zh-CN" dirty="0"/>
+              <a:t>Conclusion</a:t>
+            </a:r>
+            <a:endParaRPr lang="en-AU" dirty="0"/>
+          </a:p>
+        </p:txBody>
+      </p:sp>
+      <p:sp>
+        <p:nvSpPr>
+          <p:cNvPr id="3" name="Text Placeholder 2">
+            <a:extLst>
+              <a:ext uri="{FF2B5EF4-FFF2-40B4-BE49-F238E27FC236}">
+                <a16:creationId xmlns:a16="http://schemas.microsoft.com/office/drawing/2014/main" id="{80B85960-4E0F-164D-9FA8-B3D3693EBAC8}"/>
+              </a:ext>
+            </a:extLst>
+          </p:cNvPr>
+          <p:cNvSpPr>
+            <a:spLocks noGrp="1"/>
+          </p:cNvSpPr>
+          <p:nvPr>
+            <p:ph type="body" idx="10"/>
+          </p:nvPr>
+        </p:nvSpPr>
+        <p:spPr/>
+        <p:txBody>
+          <a:bodyPr/>
+          <a:lstStyle/>
+          <a:p>
+            <a:pPr>
+              <a:buFont typeface="Arial" panose="020B0604020202020204" pitchFamily="34" charset="0"/>
+              <a:buChar char="•"/>
+            </a:pPr>
+            <a:r>
+              <a:rPr lang="en-US" altLang="zh-CN" dirty="0"/>
+              <a:t>Shape</a:t>
+            </a:r>
+            <a:r>
+              <a:rPr lang="zh-CN" altLang="en-US" dirty="0"/>
+              <a:t> </a:t>
+            </a:r>
+            <a:r>
+              <a:rPr lang="en-US" altLang="zh-CN" dirty="0"/>
+              <a:t>is</a:t>
+            </a:r>
+            <a:r>
+              <a:rPr lang="zh-CN" altLang="en-US" dirty="0"/>
+              <a:t> </a:t>
+            </a:r>
+            <a:r>
+              <a:rPr lang="en-US" altLang="zh-CN" dirty="0"/>
+              <a:t>much</a:t>
+            </a:r>
+            <a:r>
+              <a:rPr lang="zh-CN" altLang="en-US" dirty="0"/>
+              <a:t> </a:t>
+            </a:r>
+            <a:r>
+              <a:rPr lang="en-US" altLang="zh-CN" dirty="0"/>
+              <a:t>robust</a:t>
+            </a:r>
+            <a:r>
+              <a:rPr lang="zh-CN" altLang="en-US" dirty="0"/>
+              <a:t> </a:t>
+            </a:r>
+            <a:r>
+              <a:rPr lang="en-US" altLang="zh-CN" dirty="0"/>
+              <a:t>than</a:t>
+            </a:r>
+            <a:r>
+              <a:rPr lang="zh-CN" altLang="en-US" dirty="0"/>
+              <a:t> </a:t>
+            </a:r>
+            <a:r>
+              <a:rPr lang="en-US" altLang="zh-CN" dirty="0"/>
+              <a:t>textures.</a:t>
+            </a:r>
+            <a:endParaRPr lang="en-US" dirty="0"/>
+          </a:p>
+          <a:p>
+            <a:pPr>
+              <a:buFont typeface="Arial" panose="020B0604020202020204" pitchFamily="34" charset="0"/>
+              <a:buChar char="•"/>
+            </a:pPr>
+            <a:r>
+              <a:rPr lang="en-US" altLang="zh-CN" dirty="0"/>
+              <a:t>Like</a:t>
+            </a:r>
+            <a:r>
+              <a:rPr lang="zh-CN" altLang="en-US" dirty="0"/>
+              <a:t> </a:t>
+            </a:r>
+            <a:r>
+              <a:rPr lang="en-US" altLang="zh-CN" dirty="0"/>
+              <a:t>snowing,</a:t>
+            </a:r>
+            <a:r>
+              <a:rPr lang="zh-CN" altLang="en-US" dirty="0"/>
+              <a:t> </a:t>
+            </a:r>
+            <a:r>
+              <a:rPr lang="en-US" altLang="zh-CN" dirty="0"/>
+              <a:t>raining,</a:t>
+            </a:r>
+            <a:r>
+              <a:rPr lang="zh-CN" altLang="en-US" dirty="0"/>
+              <a:t> </a:t>
+            </a:r>
+            <a:r>
+              <a:rPr lang="en-US" altLang="zh-CN" dirty="0"/>
+              <a:t>will</a:t>
+            </a:r>
+            <a:r>
+              <a:rPr lang="zh-CN" altLang="en-US" dirty="0"/>
+              <a:t> </a:t>
+            </a:r>
+            <a:r>
+              <a:rPr lang="en-US" altLang="zh-CN" dirty="0"/>
+              <a:t>actually</a:t>
+            </a:r>
+            <a:r>
+              <a:rPr lang="zh-CN" altLang="en-US" dirty="0"/>
+              <a:t> </a:t>
+            </a:r>
+            <a:r>
+              <a:rPr lang="en-US" altLang="zh-CN" dirty="0"/>
+              <a:t>impact</a:t>
+            </a:r>
+            <a:r>
+              <a:rPr lang="zh-CN" altLang="en-US" dirty="0"/>
+              <a:t> </a:t>
+            </a:r>
+            <a:r>
+              <a:rPr lang="en-US" altLang="zh-CN" dirty="0"/>
+              <a:t>textures</a:t>
+            </a:r>
+            <a:r>
+              <a:rPr lang="zh-CN" altLang="en-US" dirty="0"/>
+              <a:t> </a:t>
+            </a:r>
+            <a:r>
+              <a:rPr lang="en-US" altLang="zh-CN" dirty="0"/>
+              <a:t>of</a:t>
+            </a:r>
+            <a:r>
+              <a:rPr lang="zh-CN" altLang="en-US" dirty="0"/>
+              <a:t> </a:t>
+            </a:r>
+            <a:r>
+              <a:rPr lang="en-US" altLang="zh-CN" dirty="0"/>
+              <a:t>the</a:t>
+            </a:r>
+            <a:r>
+              <a:rPr lang="zh-CN" altLang="en-US" dirty="0"/>
+              <a:t> </a:t>
+            </a:r>
+            <a:r>
+              <a:rPr lang="en-US" altLang="zh-CN" dirty="0"/>
+              <a:t>image,</a:t>
+            </a:r>
+            <a:r>
+              <a:rPr lang="zh-CN" altLang="en-US" dirty="0"/>
+              <a:t> </a:t>
+            </a:r>
+            <a:r>
+              <a:rPr lang="en-US" altLang="zh-CN" dirty="0"/>
+              <a:t>adding</a:t>
+            </a:r>
+            <a:r>
+              <a:rPr lang="zh-CN" altLang="en-US" dirty="0"/>
+              <a:t> </a:t>
+            </a:r>
+            <a:r>
+              <a:rPr lang="en-US" altLang="zh-CN" dirty="0"/>
+              <a:t>noise</a:t>
+            </a:r>
+            <a:endParaRPr lang="en-US" dirty="0"/>
+          </a:p>
+          <a:p>
+            <a:pPr>
+              <a:buFont typeface="Arial" panose="020B0604020202020204" pitchFamily="34" charset="0"/>
+              <a:buChar char="•"/>
+            </a:pPr>
+            <a:r>
+              <a:rPr lang="en-US" altLang="zh-CN" dirty="0"/>
+              <a:t>Emergent</a:t>
+            </a:r>
+            <a:r>
+              <a:rPr lang="zh-CN" altLang="en-US" dirty="0"/>
+              <a:t> </a:t>
+            </a:r>
+            <a:r>
+              <a:rPr lang="en-US" altLang="zh-CN" dirty="0"/>
+              <a:t>noise</a:t>
+            </a:r>
+            <a:r>
+              <a:rPr lang="zh-CN" altLang="en-US" dirty="0"/>
+              <a:t> </a:t>
+            </a:r>
+            <a:r>
+              <a:rPr lang="en-US" altLang="zh-CN" dirty="0"/>
+              <a:t>robustness:</a:t>
+            </a:r>
+            <a:r>
+              <a:rPr lang="zh-CN" altLang="en-US" dirty="0"/>
+              <a:t> </a:t>
+            </a:r>
+            <a:r>
+              <a:rPr lang="en-US" altLang="zh-CN" dirty="0"/>
+              <a:t>no</a:t>
+            </a:r>
+            <a:r>
+              <a:rPr lang="zh-CN" altLang="en-US" dirty="0"/>
+              <a:t> </a:t>
+            </a:r>
+            <a:r>
+              <a:rPr lang="en-US" altLang="zh-CN" dirty="0"/>
+              <a:t>corruption</a:t>
+            </a:r>
+            <a:r>
+              <a:rPr lang="zh-CN" altLang="en-US" dirty="0"/>
+              <a:t> </a:t>
+            </a:r>
+            <a:r>
+              <a:rPr lang="en-US" altLang="zh-CN" dirty="0"/>
+              <a:t>seen</a:t>
+            </a:r>
+            <a:r>
+              <a:rPr lang="zh-CN" altLang="en-US" dirty="0"/>
+              <a:t> </a:t>
+            </a:r>
+            <a:r>
+              <a:rPr lang="en-US" altLang="zh-CN" dirty="0"/>
+              <a:t>during</a:t>
+            </a:r>
+            <a:r>
+              <a:rPr lang="zh-CN" altLang="en-US" dirty="0"/>
+              <a:t> </a:t>
+            </a:r>
+            <a:r>
+              <a:rPr lang="en-US" altLang="zh-CN" dirty="0"/>
+              <a:t>training</a:t>
+            </a:r>
+            <a:endParaRPr lang="en-US" dirty="0"/>
+          </a:p>
+          <a:p>
+            <a:pPr>
+              <a:buFont typeface="Arial" panose="020B0604020202020204" pitchFamily="34" charset="0"/>
+              <a:buChar char="•"/>
+            </a:pPr>
+            <a:r>
+              <a:rPr lang="en-US" altLang="zh-CN" dirty="0"/>
+              <a:t>Adversarial</a:t>
+            </a:r>
+            <a:r>
+              <a:rPr lang="zh-CN" altLang="en-US" dirty="0"/>
+              <a:t> </a:t>
+            </a:r>
+            <a:r>
+              <a:rPr lang="en-US" altLang="zh-CN" dirty="0"/>
+              <a:t>is</a:t>
+            </a:r>
+            <a:r>
+              <a:rPr lang="zh-CN" altLang="en-US" dirty="0"/>
+              <a:t> </a:t>
+            </a:r>
+            <a:r>
+              <a:rPr lang="en-US" altLang="zh-CN" dirty="0"/>
+              <a:t>not</a:t>
+            </a:r>
+            <a:r>
+              <a:rPr lang="zh-CN" altLang="en-US" dirty="0"/>
+              <a:t> </a:t>
+            </a:r>
+            <a:r>
+              <a:rPr lang="en-US" altLang="zh-CN" dirty="0"/>
+              <a:t>changed</a:t>
+            </a:r>
+            <a:r>
+              <a:rPr lang="zh-CN" altLang="en-US" dirty="0"/>
+              <a:t> </a:t>
+            </a:r>
+            <a:r>
+              <a:rPr lang="en-US" altLang="zh-CN" dirty="0"/>
+              <a:t>too</a:t>
+            </a:r>
+            <a:r>
+              <a:rPr lang="zh-CN" altLang="en-US" dirty="0"/>
+              <a:t> </a:t>
+            </a:r>
+            <a:r>
+              <a:rPr lang="en-US" altLang="zh-CN" dirty="0"/>
+              <a:t>much</a:t>
+            </a:r>
+            <a:r>
+              <a:rPr lang="zh-CN" altLang="en-US" dirty="0"/>
+              <a:t> </a:t>
+            </a:r>
+            <a:r>
+              <a:rPr lang="en-US" altLang="zh-CN" dirty="0"/>
+              <a:t>(still</a:t>
+            </a:r>
+            <a:r>
+              <a:rPr lang="zh-CN" altLang="en-US" dirty="0"/>
+              <a:t> </a:t>
+            </a:r>
+            <a:r>
+              <a:rPr lang="en-US" altLang="zh-CN" dirty="0"/>
+              <a:t>future</a:t>
+            </a:r>
+            <a:r>
+              <a:rPr lang="zh-CN" altLang="en-US" dirty="0"/>
+              <a:t> </a:t>
+            </a:r>
+            <a:r>
+              <a:rPr lang="en-US" altLang="zh-CN" dirty="0"/>
+              <a:t>work)</a:t>
+            </a:r>
+            <a:endParaRPr lang="en-AU" dirty="0"/>
+          </a:p>
+        </p:txBody>
+      </p:sp>
+      <p:sp>
+        <p:nvSpPr>
+          <p:cNvPr id="4" name="Slide Number Placeholder 3">
+            <a:extLst>
+              <a:ext uri="{FF2B5EF4-FFF2-40B4-BE49-F238E27FC236}">
+                <a16:creationId xmlns:a16="http://schemas.microsoft.com/office/drawing/2014/main" id="{23236FE4-9E2E-3841-9FF4-4E10EBEC0E7C}"/>
+              </a:ext>
+            </a:extLst>
+          </p:cNvPr>
+          <p:cNvSpPr>
+            <a:spLocks noGrp="1"/>
+          </p:cNvSpPr>
+          <p:nvPr>
+            <p:ph type="sldNum" sz="quarter" idx="11"/>
+          </p:nvPr>
+        </p:nvSpPr>
+        <p:spPr/>
+        <p:txBody>
+          <a:bodyPr/>
+          <a:lstStyle/>
+          <a:p>
+            <a:fld id="{5C213CF7-9790-6548-95A9-51DD9168E4DE}" type="slidenum">
+              <a:rPr lang="en-US" smtClean="0"/>
+              <a:pPr/>
+              <a:t>10</a:t>
+            </a:fld>
+            <a:endParaRPr lang="en-US" dirty="0"/>
+          </a:p>
+        </p:txBody>
+      </p:sp>
+    </p:spTree>
+    <p:extLst>
+      <p:ext uri="{BB962C8B-B14F-4D97-AF65-F5344CB8AC3E}">
+        <p14:creationId xmlns:p14="http://schemas.microsoft.com/office/powerpoint/2010/main" val="913321835"/>
+      </p:ext>
+    </p:extLst>
+  </p:cSld>
+  <p:clrMapOvr>
+    <a:masterClrMapping/>
+  </p:clrMapOvr>
+</p:sld>
+</file>
+
+<file path=ppt/slides/slide12.xml><?xml version="1.0" encoding="utf-8"?>
+<p:sld xmlns:a="http://schemas.openxmlformats.org/drawingml/2006/main" xmlns:r="http://schemas.openxmlformats.org/officeDocument/2006/relationships" xmlns:p="http://schemas.openxmlformats.org/presentationml/2006/main">
+  <p:cSld>
+    <p:spTree>
+      <p:nvGrpSpPr>
+        <p:cNvPr id="1" name=""/>
+        <p:cNvGrpSpPr/>
+        <p:nvPr/>
+      </p:nvGrpSpPr>
+      <p:grpSpPr>
+        <a:xfrm>
+          <a:off x="0" y="0"/>
+          <a:ext cx="0" cy="0"/>
+          <a:chOff x="0" y="0"/>
+          <a:chExt cx="0" cy="0"/>
+        </a:xfrm>
+      </p:grpSpPr>
+      <p:sp>
+        <p:nvSpPr>
+          <p:cNvPr id="2" name="Title 1">
+            <a:extLst>
+              <a:ext uri="{FF2B5EF4-FFF2-40B4-BE49-F238E27FC236}">
+                <a16:creationId xmlns:a16="http://schemas.microsoft.com/office/drawing/2014/main" id="{2D4B8229-CFF9-D14C-B7D9-08AE9D4CD1ED}"/>
+              </a:ext>
+            </a:extLst>
+          </p:cNvPr>
+          <p:cNvSpPr>
+            <a:spLocks noGrp="1"/>
+          </p:cNvSpPr>
+          <p:nvPr>
+            <p:ph type="title"/>
+          </p:nvPr>
+        </p:nvSpPr>
+        <p:spPr/>
+        <p:txBody>
+          <a:bodyPr/>
+          <a:lstStyle/>
+          <a:p>
+            <a:r>
+              <a:rPr lang="en-US" altLang="zh-CN" dirty="0"/>
+              <a:t>Highlights</a:t>
+            </a:r>
+            <a:endParaRPr lang="en-AU" dirty="0"/>
+          </a:p>
+        </p:txBody>
+      </p:sp>
+      <p:sp>
+        <p:nvSpPr>
+          <p:cNvPr id="3" name="Text Placeholder 2">
+            <a:extLst>
+              <a:ext uri="{FF2B5EF4-FFF2-40B4-BE49-F238E27FC236}">
+                <a16:creationId xmlns:a16="http://schemas.microsoft.com/office/drawing/2014/main" id="{83245DF6-6E30-B94A-9E8F-388756B579EE}"/>
+              </a:ext>
+            </a:extLst>
+          </p:cNvPr>
+          <p:cNvSpPr>
+            <a:spLocks noGrp="1"/>
+          </p:cNvSpPr>
+          <p:nvPr>
+            <p:ph type="body" idx="10"/>
+          </p:nvPr>
+        </p:nvSpPr>
+        <p:spPr/>
+        <p:txBody>
+          <a:bodyPr/>
+          <a:lstStyle/>
+          <a:p>
+            <a:pPr>
+              <a:buFont typeface="Arial" panose="020B0604020202020204" pitchFamily="34" charset="0"/>
+              <a:buChar char="•"/>
+            </a:pPr>
+            <a:r>
+              <a:rPr lang="en-US" altLang="zh-CN" dirty="0"/>
+              <a:t>Design</a:t>
+            </a:r>
+            <a:r>
+              <a:rPr lang="zh-CN" altLang="en-US" dirty="0"/>
+              <a:t> </a:t>
+            </a:r>
+            <a:r>
+              <a:rPr lang="en-US" altLang="zh-CN" dirty="0"/>
+              <a:t>a</a:t>
+            </a:r>
+            <a:r>
+              <a:rPr lang="zh-CN" altLang="en-US" dirty="0"/>
+              <a:t> </a:t>
+            </a:r>
+            <a:r>
+              <a:rPr lang="en-US" altLang="zh-CN" dirty="0"/>
+              <a:t>series</a:t>
+            </a:r>
+            <a:r>
+              <a:rPr lang="zh-CN" altLang="en-US" dirty="0"/>
+              <a:t> </a:t>
+            </a:r>
+            <a:r>
+              <a:rPr lang="en-US" altLang="zh-CN" dirty="0"/>
+              <a:t>of</a:t>
+            </a:r>
+            <a:r>
+              <a:rPr lang="zh-CN" altLang="en-US" dirty="0"/>
+              <a:t> </a:t>
+            </a:r>
+            <a:r>
+              <a:rPr lang="en-US" altLang="zh-CN" dirty="0"/>
+              <a:t>experiments</a:t>
+            </a:r>
+            <a:r>
+              <a:rPr lang="zh-CN" altLang="en-US" dirty="0"/>
+              <a:t> </a:t>
+            </a:r>
+            <a:r>
+              <a:rPr lang="en-US" altLang="zh-CN" dirty="0"/>
+              <a:t>that</a:t>
+            </a:r>
+            <a:r>
+              <a:rPr lang="zh-CN" altLang="en-US" dirty="0"/>
+              <a:t> </a:t>
+            </a:r>
+            <a:r>
+              <a:rPr lang="en-US" altLang="zh-CN" dirty="0"/>
+              <a:t>demonstrate</a:t>
+            </a:r>
+            <a:r>
+              <a:rPr lang="zh-CN" altLang="en-US" dirty="0"/>
+              <a:t> </a:t>
+            </a:r>
+            <a:r>
+              <a:rPr lang="en-US" altLang="zh-CN" dirty="0"/>
+              <a:t>ImageNet-trained</a:t>
+            </a:r>
+            <a:r>
+              <a:rPr lang="zh-CN" altLang="en-US" dirty="0"/>
+              <a:t> </a:t>
+            </a:r>
+            <a:r>
+              <a:rPr lang="en-US" altLang="zh-CN" dirty="0"/>
+              <a:t>CNNs</a:t>
+            </a:r>
+            <a:r>
+              <a:rPr lang="zh-CN" altLang="en-US" dirty="0"/>
+              <a:t> </a:t>
+            </a:r>
+            <a:r>
+              <a:rPr lang="en-US" altLang="zh-CN" dirty="0"/>
+              <a:t>are</a:t>
+            </a:r>
+            <a:r>
+              <a:rPr lang="zh-CN" altLang="en-US" dirty="0"/>
+              <a:t> </a:t>
+            </a:r>
+            <a:r>
+              <a:rPr lang="en-US" altLang="zh-CN" dirty="0"/>
+              <a:t>bias</a:t>
+            </a:r>
+            <a:r>
+              <a:rPr lang="zh-CN" altLang="en-US" dirty="0"/>
+              <a:t> </a:t>
+            </a:r>
+            <a:r>
+              <a:rPr lang="en-US" altLang="zh-CN" dirty="0"/>
+              <a:t>towards</a:t>
+            </a:r>
+            <a:r>
+              <a:rPr lang="zh-CN" altLang="en-US" dirty="0"/>
+              <a:t> </a:t>
+            </a:r>
+            <a:r>
+              <a:rPr lang="en-US" altLang="zh-CN" dirty="0"/>
+              <a:t>texture,</a:t>
+            </a:r>
+            <a:r>
+              <a:rPr lang="zh-CN" altLang="en-US" dirty="0"/>
+              <a:t> </a:t>
+            </a:r>
+            <a:r>
+              <a:rPr lang="en-US" altLang="zh-CN" dirty="0"/>
+              <a:t>not</a:t>
+            </a:r>
+            <a:r>
+              <a:rPr lang="zh-CN" altLang="en-US" dirty="0"/>
+              <a:t> </a:t>
+            </a:r>
+            <a:r>
+              <a:rPr lang="en-US" altLang="zh-CN" dirty="0"/>
+              <a:t>shape.</a:t>
+            </a:r>
+            <a:endParaRPr lang="en-AU" altLang="zh-CN" dirty="0"/>
+          </a:p>
+          <a:p>
+            <a:pPr>
+              <a:buFont typeface="Arial" panose="020B0604020202020204" pitchFamily="34" charset="0"/>
+              <a:buChar char="•"/>
+            </a:pPr>
+            <a:r>
+              <a:rPr lang="en-US" altLang="zh-CN" dirty="0"/>
+              <a:t>Using</a:t>
+            </a:r>
+            <a:r>
+              <a:rPr lang="zh-CN" altLang="en-US" dirty="0"/>
+              <a:t> </a:t>
+            </a:r>
+            <a:r>
+              <a:rPr lang="en-US" altLang="zh-CN" dirty="0"/>
+              <a:t>Styled-ImageNet</a:t>
+            </a:r>
+            <a:r>
+              <a:rPr lang="zh-CN" altLang="en-US" dirty="0"/>
+              <a:t> </a:t>
+            </a:r>
+            <a:r>
+              <a:rPr lang="en-US" altLang="zh-CN" dirty="0"/>
+              <a:t>enables</a:t>
+            </a:r>
+            <a:r>
+              <a:rPr lang="zh-CN" altLang="en-US" dirty="0"/>
+              <a:t> </a:t>
+            </a:r>
+            <a:r>
+              <a:rPr lang="en-US" altLang="zh-CN" dirty="0"/>
+              <a:t>CNNs</a:t>
+            </a:r>
+            <a:r>
+              <a:rPr lang="zh-CN" altLang="en-US" dirty="0"/>
+              <a:t> </a:t>
+            </a:r>
+            <a:r>
+              <a:rPr lang="en-US" altLang="zh-CN" dirty="0"/>
+              <a:t>learning</a:t>
+            </a:r>
+            <a:r>
+              <a:rPr lang="zh-CN" altLang="en-US" dirty="0"/>
+              <a:t> </a:t>
+            </a:r>
+            <a:r>
+              <a:rPr lang="en-US" altLang="zh-CN" dirty="0"/>
+              <a:t>from</a:t>
+            </a:r>
+            <a:r>
+              <a:rPr lang="zh-CN" altLang="en-US" dirty="0"/>
+              <a:t> </a:t>
+            </a:r>
+            <a:r>
+              <a:rPr lang="en-US" altLang="zh-CN" dirty="0"/>
+              <a:t>shape</a:t>
+            </a:r>
+          </a:p>
+          <a:p>
+            <a:pPr>
+              <a:buFont typeface="Arial" panose="020B0604020202020204" pitchFamily="34" charset="0"/>
+              <a:buChar char="•"/>
+            </a:pPr>
+            <a:r>
+              <a:rPr lang="en-US" altLang="zh-CN" dirty="0"/>
+              <a:t>Improvement</a:t>
+            </a:r>
+            <a:r>
+              <a:rPr lang="zh-CN" altLang="en-US" dirty="0"/>
+              <a:t> </a:t>
+            </a:r>
+            <a:r>
+              <a:rPr lang="en-US" altLang="zh-CN" dirty="0"/>
+              <a:t>of</a:t>
+            </a:r>
+            <a:r>
+              <a:rPr lang="zh-CN" altLang="en-US" dirty="0"/>
+              <a:t> </a:t>
+            </a:r>
+            <a:r>
+              <a:rPr lang="en-US" altLang="zh-CN" dirty="0"/>
+              <a:t>robustness</a:t>
+            </a:r>
+            <a:r>
+              <a:rPr lang="zh-CN" altLang="en-US" dirty="0"/>
+              <a:t> </a:t>
+            </a:r>
+            <a:r>
+              <a:rPr lang="en-US" altLang="zh-CN" dirty="0"/>
+              <a:t>by</a:t>
+            </a:r>
+            <a:r>
+              <a:rPr lang="zh-CN" altLang="en-US" dirty="0"/>
+              <a:t> </a:t>
+            </a:r>
+            <a:r>
+              <a:rPr lang="en-US" altLang="zh-CN" dirty="0"/>
+              <a:t>learning</a:t>
+            </a:r>
+            <a:r>
+              <a:rPr lang="zh-CN" altLang="en-US" dirty="0"/>
+              <a:t> </a:t>
+            </a:r>
+            <a:r>
+              <a:rPr lang="en-US" altLang="zh-CN" dirty="0"/>
+              <a:t>shape</a:t>
+            </a:r>
+            <a:r>
+              <a:rPr lang="zh-CN" altLang="en-US" dirty="0"/>
+              <a:t> </a:t>
+            </a:r>
+            <a:r>
+              <a:rPr lang="en-US" altLang="zh-CN" dirty="0"/>
+              <a:t>information</a:t>
+            </a:r>
+            <a:endParaRPr lang="en-AU" dirty="0"/>
+          </a:p>
+        </p:txBody>
+      </p:sp>
+      <p:sp>
+        <p:nvSpPr>
+          <p:cNvPr id="4" name="Slide Number Placeholder 3">
+            <a:extLst>
+              <a:ext uri="{FF2B5EF4-FFF2-40B4-BE49-F238E27FC236}">
+                <a16:creationId xmlns:a16="http://schemas.microsoft.com/office/drawing/2014/main" id="{11661213-B94A-7045-A456-61A6E49B72A3}"/>
+              </a:ext>
+            </a:extLst>
+          </p:cNvPr>
+          <p:cNvSpPr>
+            <a:spLocks noGrp="1"/>
+          </p:cNvSpPr>
+          <p:nvPr>
+            <p:ph type="sldNum" sz="quarter" idx="11"/>
+          </p:nvPr>
+        </p:nvSpPr>
+        <p:spPr/>
+        <p:txBody>
+          <a:bodyPr/>
+          <a:lstStyle/>
+          <a:p>
+            <a:fld id="{5C213CF7-9790-6548-95A9-51DD9168E4DE}" type="slidenum">
+              <a:rPr lang="en-US" smtClean="0"/>
+              <a:pPr/>
+              <a:t>11</a:t>
+            </a:fld>
+            <a:endParaRPr lang="en-US" dirty="0"/>
+          </a:p>
+        </p:txBody>
+      </p:sp>
+    </p:spTree>
+    <p:extLst>
+      <p:ext uri="{BB962C8B-B14F-4D97-AF65-F5344CB8AC3E}">
+        <p14:creationId xmlns:p14="http://schemas.microsoft.com/office/powerpoint/2010/main" val="3486220570"/>
+      </p:ext>
+    </p:extLst>
+  </p:cSld>
+  <p:clrMapOvr>
+    <a:masterClrMapping/>
+  </p:clrMapOvr>
+</p:sld>
+</file>
+
 <file path=ppt/slides/slide2.xml><?xml version="1.0" encoding="utf-8"?>
 <p:sld xmlns:a="http://schemas.openxmlformats.org/drawingml/2006/main" xmlns:r="http://schemas.openxmlformats.org/officeDocument/2006/relationships" xmlns:p="http://schemas.openxmlformats.org/presentationml/2006/main">
   <p:cSld>
@@ -4154,818 +5345,6 @@
 </file>
 
 <file path=ppt/slides/slide5.xml><?xml version="1.0" encoding="utf-8"?>
-<p:sld xmlns:a="http://schemas.openxmlformats.org/drawingml/2006/main" xmlns:r="http://schemas.openxmlformats.org/officeDocument/2006/relationships" xmlns:p="http://schemas.openxmlformats.org/presentationml/2006/main">
-  <p:cSld>
-    <p:spTree>
-      <p:nvGrpSpPr>
-        <p:cNvPr id="1" name=""/>
-        <p:cNvGrpSpPr/>
-        <p:nvPr/>
-      </p:nvGrpSpPr>
-      <p:grpSpPr>
-        <a:xfrm>
-          <a:off x="0" y="0"/>
-          <a:ext cx="0" cy="0"/>
-          <a:chOff x="0" y="0"/>
-          <a:chExt cx="0" cy="0"/>
-        </a:xfrm>
-      </p:grpSpPr>
-      <p:sp>
-        <p:nvSpPr>
-          <p:cNvPr id="2" name="Title 1">
-            <a:extLst>
-              <a:ext uri="{FF2B5EF4-FFF2-40B4-BE49-F238E27FC236}">
-                <a16:creationId xmlns:a16="http://schemas.microsoft.com/office/drawing/2014/main" id="{101C5770-F948-C246-B715-9F5959AD22E3}"/>
-              </a:ext>
-            </a:extLst>
-          </p:cNvPr>
-          <p:cNvSpPr>
-            <a:spLocks noGrp="1"/>
-          </p:cNvSpPr>
-          <p:nvPr>
-            <p:ph type="title"/>
-          </p:nvPr>
-        </p:nvSpPr>
-        <p:spPr/>
-        <p:txBody>
-          <a:bodyPr/>
-          <a:lstStyle/>
-          <a:p>
-            <a:r>
-              <a:rPr lang="en-US" altLang="zh-CN" dirty="0"/>
-              <a:t>The</a:t>
-            </a:r>
-            <a:r>
-              <a:rPr lang="zh-CN" altLang="en-US" dirty="0"/>
-              <a:t> </a:t>
-            </a:r>
-            <a:r>
-              <a:rPr lang="en-US" altLang="zh-CN" dirty="0"/>
-              <a:t>experiment</a:t>
-            </a:r>
-            <a:endParaRPr lang="en-AU" dirty="0"/>
-          </a:p>
-        </p:txBody>
-      </p:sp>
-      <p:pic>
-        <p:nvPicPr>
-          <p:cNvPr id="5" name="Picture 4">
-            <a:extLst>
-              <a:ext uri="{FF2B5EF4-FFF2-40B4-BE49-F238E27FC236}">
-                <a16:creationId xmlns:a16="http://schemas.microsoft.com/office/drawing/2014/main" id="{64FA77FF-5474-6743-B85E-D97735EEF838}"/>
-              </a:ext>
-            </a:extLst>
-          </p:cNvPr>
-          <p:cNvPicPr>
-            <a:picLocks noChangeAspect="1"/>
-          </p:cNvPicPr>
-          <p:nvPr/>
-        </p:nvPicPr>
-        <p:blipFill>
-          <a:blip r:embed="rId2">
-            <a:extLst>
-              <a:ext uri="{28A0092B-C50C-407E-A947-70E740481C1C}">
-                <a14:useLocalDpi xmlns:a14="http://schemas.microsoft.com/office/drawing/2010/main" val="0"/>
-              </a:ext>
-            </a:extLst>
-          </a:blip>
-          <a:srcRect/>
-          <a:stretch/>
-        </p:blipFill>
-        <p:spPr>
-          <a:xfrm>
-            <a:off x="1377950" y="2767996"/>
-            <a:ext cx="6388100" cy="2360183"/>
-          </a:xfrm>
-          <a:prstGeom prst="rect">
-            <a:avLst/>
-          </a:prstGeom>
-        </p:spPr>
-      </p:pic>
-      <p:sp>
-        <p:nvSpPr>
-          <p:cNvPr id="3" name="Text Placeholder 2">
-            <a:extLst>
-              <a:ext uri="{FF2B5EF4-FFF2-40B4-BE49-F238E27FC236}">
-                <a16:creationId xmlns:a16="http://schemas.microsoft.com/office/drawing/2014/main" id="{9A3097FD-730D-8746-9176-87BE46FEB9F8}"/>
-              </a:ext>
-            </a:extLst>
-          </p:cNvPr>
-          <p:cNvSpPr>
-            <a:spLocks noGrp="1"/>
-          </p:cNvSpPr>
-          <p:nvPr>
-            <p:ph type="body" idx="10"/>
-          </p:nvPr>
-        </p:nvSpPr>
-        <p:spPr/>
-        <p:txBody>
-          <a:bodyPr/>
-          <a:lstStyle/>
-          <a:p>
-            <a:r>
-              <a:rPr lang="en-US" altLang="zh-CN" dirty="0"/>
-              <a:t>ImageNet</a:t>
-            </a:r>
-            <a:r>
-              <a:rPr lang="zh-CN" altLang="en-US" dirty="0"/>
-              <a:t> </a:t>
-            </a:r>
-            <a:r>
-              <a:rPr lang="en-US" altLang="zh-CN" dirty="0"/>
-              <a:t>(IN)</a:t>
-            </a:r>
-            <a:r>
-              <a:rPr lang="zh-CN" altLang="en-US" dirty="0"/>
-              <a:t> </a:t>
-            </a:r>
-            <a:r>
-              <a:rPr lang="en-US" altLang="zh-CN" dirty="0"/>
-              <a:t>might</a:t>
-            </a:r>
-            <a:r>
-              <a:rPr lang="zh-CN" altLang="en-US" dirty="0"/>
-              <a:t> </a:t>
-            </a:r>
-            <a:r>
-              <a:rPr lang="en-US" altLang="zh-CN" dirty="0"/>
-              <a:t>simply</a:t>
-            </a:r>
-            <a:r>
-              <a:rPr lang="zh-CN" altLang="en-US" dirty="0"/>
-              <a:t> </a:t>
-            </a:r>
-            <a:r>
-              <a:rPr lang="en-US" altLang="zh-CN" dirty="0"/>
-              <a:t>suffice</a:t>
-            </a:r>
-            <a:r>
-              <a:rPr lang="zh-CN" altLang="en-US" dirty="0"/>
-              <a:t> </a:t>
-            </a:r>
-            <a:r>
-              <a:rPr lang="en-US" altLang="zh-CN" dirty="0"/>
-              <a:t>to</a:t>
-            </a:r>
-            <a:r>
-              <a:rPr lang="zh-CN" altLang="en-US" dirty="0"/>
-              <a:t> </a:t>
-            </a:r>
-            <a:r>
-              <a:rPr lang="en-US" altLang="zh-CN" dirty="0"/>
-              <a:t>integrate</a:t>
-            </a:r>
-            <a:r>
-              <a:rPr lang="zh-CN" altLang="en-US" dirty="0"/>
-              <a:t> </a:t>
-            </a:r>
-            <a:r>
-              <a:rPr lang="en-US" altLang="zh-CN" dirty="0"/>
-              <a:t>evidence</a:t>
-            </a:r>
-            <a:r>
-              <a:rPr lang="zh-CN" altLang="en-US" dirty="0"/>
-              <a:t> </a:t>
-            </a:r>
-            <a:r>
-              <a:rPr lang="en-US" altLang="zh-CN" dirty="0"/>
-              <a:t>from</a:t>
-            </a:r>
-            <a:r>
-              <a:rPr lang="zh-CN" altLang="en-US" dirty="0"/>
-              <a:t> </a:t>
-            </a:r>
-            <a:r>
-              <a:rPr lang="en-US" altLang="zh-CN" dirty="0"/>
-              <a:t>many</a:t>
-            </a:r>
-            <a:r>
-              <a:rPr lang="zh-CN" altLang="en-US" dirty="0"/>
-              <a:t> </a:t>
-            </a:r>
-            <a:r>
-              <a:rPr lang="en-US" altLang="zh-CN" dirty="0"/>
-              <a:t>local</a:t>
-            </a:r>
-            <a:r>
-              <a:rPr lang="zh-CN" altLang="en-US" dirty="0"/>
-              <a:t> </a:t>
-            </a:r>
-            <a:r>
-              <a:rPr lang="en-US" altLang="zh-CN" dirty="0"/>
-              <a:t>texture</a:t>
-            </a:r>
-            <a:r>
-              <a:rPr lang="zh-CN" altLang="en-US" dirty="0"/>
-              <a:t> </a:t>
-            </a:r>
-            <a:r>
-              <a:rPr lang="en-US" altLang="zh-CN" dirty="0"/>
-              <a:t>features</a:t>
-            </a:r>
-            <a:r>
-              <a:rPr lang="zh-CN" altLang="en-US" dirty="0"/>
-              <a:t> </a:t>
-            </a:r>
-            <a:r>
-              <a:rPr lang="en-US" altLang="zh-CN" dirty="0"/>
-              <a:t>rather</a:t>
-            </a:r>
-            <a:r>
-              <a:rPr lang="zh-CN" altLang="en-US" dirty="0"/>
-              <a:t> </a:t>
-            </a:r>
-            <a:r>
-              <a:rPr lang="en-US" altLang="zh-CN" dirty="0"/>
-              <a:t>than</a:t>
-            </a:r>
-            <a:r>
-              <a:rPr lang="zh-CN" altLang="en-US" dirty="0"/>
-              <a:t> </a:t>
-            </a:r>
-            <a:r>
-              <a:rPr lang="en-US" altLang="zh-CN" dirty="0"/>
-              <a:t>classifying</a:t>
-            </a:r>
-            <a:r>
-              <a:rPr lang="zh-CN" altLang="en-US" dirty="0"/>
-              <a:t> </a:t>
-            </a:r>
-            <a:r>
-              <a:rPr lang="en-US" altLang="zh-CN" dirty="0"/>
-              <a:t>global</a:t>
-            </a:r>
-            <a:r>
-              <a:rPr lang="zh-CN" altLang="en-US" dirty="0"/>
-              <a:t> </a:t>
-            </a:r>
-            <a:r>
-              <a:rPr lang="en-US" altLang="zh-CN" dirty="0"/>
-              <a:t>shapes.</a:t>
-            </a:r>
-          </a:p>
-          <a:p>
-            <a:endParaRPr lang="en-US" altLang="zh-CN" b="1" dirty="0"/>
-          </a:p>
-          <a:p>
-            <a:r>
-              <a:rPr lang="en-US" altLang="zh-CN" b="1" dirty="0"/>
-              <a:t>Using</a:t>
-            </a:r>
-            <a:r>
-              <a:rPr lang="zh-CN" altLang="en-US" b="1" dirty="0"/>
-              <a:t> </a:t>
-            </a:r>
-            <a:r>
-              <a:rPr lang="en-US" altLang="zh-CN" b="1" dirty="0"/>
-              <a:t>Stylized-ImageNet</a:t>
-            </a:r>
-            <a:r>
-              <a:rPr lang="zh-CN" altLang="en-US" b="1" dirty="0"/>
-              <a:t> </a:t>
-            </a:r>
-            <a:r>
-              <a:rPr lang="en-US" altLang="zh-CN" b="1" dirty="0"/>
-              <a:t>(SIN)</a:t>
-            </a:r>
-          </a:p>
-        </p:txBody>
-      </p:sp>
-      <p:sp>
-        <p:nvSpPr>
-          <p:cNvPr id="4" name="Slide Number Placeholder 3">
-            <a:extLst>
-              <a:ext uri="{FF2B5EF4-FFF2-40B4-BE49-F238E27FC236}">
-                <a16:creationId xmlns:a16="http://schemas.microsoft.com/office/drawing/2014/main" id="{E6AA2541-971E-614D-ADCC-05F37182EDAA}"/>
-              </a:ext>
-            </a:extLst>
-          </p:cNvPr>
-          <p:cNvSpPr>
-            <a:spLocks noGrp="1"/>
-          </p:cNvSpPr>
-          <p:nvPr>
-            <p:ph type="sldNum" sz="quarter" idx="11"/>
-          </p:nvPr>
-        </p:nvSpPr>
-        <p:spPr/>
-        <p:txBody>
-          <a:bodyPr/>
-          <a:lstStyle/>
-          <a:p>
-            <a:fld id="{5C213CF7-9790-6548-95A9-51DD9168E4DE}" type="slidenum">
-              <a:rPr lang="en-US" smtClean="0"/>
-              <a:pPr/>
-              <a:t>4</a:t>
-            </a:fld>
-            <a:endParaRPr lang="en-US" dirty="0"/>
-          </a:p>
-        </p:txBody>
-      </p:sp>
-      <p:sp>
-        <p:nvSpPr>
-          <p:cNvPr id="6" name="TextBox 5">
-            <a:extLst>
-              <a:ext uri="{FF2B5EF4-FFF2-40B4-BE49-F238E27FC236}">
-                <a16:creationId xmlns:a16="http://schemas.microsoft.com/office/drawing/2014/main" id="{A5DD4FDA-9EA1-214D-BEBB-92B8C9465960}"/>
-              </a:ext>
-            </a:extLst>
-          </p:cNvPr>
-          <p:cNvSpPr txBox="1"/>
-          <p:nvPr/>
-        </p:nvSpPr>
-        <p:spPr>
-          <a:xfrm>
-            <a:off x="967515" y="5175920"/>
-            <a:ext cx="7209026" cy="269304"/>
-          </a:xfrm>
-          <a:prstGeom prst="rect">
-            <a:avLst/>
-          </a:prstGeom>
-        </p:spPr>
-        <p:txBody>
-          <a:bodyPr wrap="none" rtlCol="0">
-            <a:spAutoFit/>
-          </a:bodyPr>
-          <a:lstStyle/>
-          <a:p>
-            <a:pPr marL="342900" indent="-342900" algn="ctr" fontAlgn="auto">
-              <a:spcBef>
-                <a:spcPct val="20000"/>
-              </a:spcBef>
-              <a:spcAft>
-                <a:spcPts val="0"/>
-              </a:spcAft>
-            </a:pPr>
-            <a:r>
-              <a:rPr kumimoji="0" lang="en-US" altLang="zh-CN" sz="1150" b="1" i="0" u="none" strike="noStrike" kern="1200" cap="none" spc="0" normalizeH="0" baseline="0" noProof="0" dirty="0">
-                <a:ln>
-                  <a:noFill/>
-                </a:ln>
-                <a:solidFill>
-                  <a:schemeClr val="tx1"/>
-                </a:solidFill>
-                <a:effectLst/>
-                <a:uLnTx/>
-                <a:uFillTx/>
-                <a:latin typeface="Sommet bold"/>
-                <a:ea typeface="+mn-ea"/>
-                <a:cs typeface="+mn-cs"/>
-              </a:rPr>
-              <a:t>Figure</a:t>
-            </a:r>
-            <a:r>
-              <a:rPr kumimoji="0" lang="zh-CN" altLang="en-US" sz="1150" b="1" i="0" u="none" strike="noStrike" kern="1200" cap="none" spc="0" normalizeH="0" baseline="0" noProof="0" dirty="0">
-                <a:ln>
-                  <a:noFill/>
-                </a:ln>
-                <a:solidFill>
-                  <a:schemeClr val="tx1"/>
-                </a:solidFill>
-                <a:effectLst/>
-                <a:uLnTx/>
-                <a:uFillTx/>
-                <a:latin typeface="Sommet bold"/>
-                <a:ea typeface="+mn-ea"/>
-                <a:cs typeface="+mn-cs"/>
-              </a:rPr>
-              <a:t> </a:t>
-            </a:r>
-            <a:r>
-              <a:rPr kumimoji="0" lang="en-US" altLang="zh-CN" sz="1150" b="1" i="0" u="none" strike="noStrike" kern="1200" cap="none" spc="0" normalizeH="0" baseline="0" noProof="0" dirty="0">
-                <a:ln>
-                  <a:noFill/>
-                </a:ln>
-                <a:solidFill>
-                  <a:schemeClr val="tx1"/>
-                </a:solidFill>
-                <a:effectLst/>
-                <a:uLnTx/>
-                <a:uFillTx/>
-                <a:latin typeface="Sommet bold"/>
-                <a:ea typeface="+mn-ea"/>
-                <a:cs typeface="+mn-cs"/>
-              </a:rPr>
-              <a:t>3:</a:t>
-            </a:r>
-            <a:r>
-              <a:rPr kumimoji="0" lang="zh-CN" altLang="en-US" sz="1150" b="1" i="0" u="none" strike="noStrike" kern="1200" cap="none" spc="0" normalizeH="0" baseline="0" noProof="0" dirty="0">
-                <a:ln>
-                  <a:noFill/>
-                </a:ln>
-                <a:solidFill>
-                  <a:schemeClr val="tx1"/>
-                </a:solidFill>
-                <a:effectLst/>
-                <a:uLnTx/>
-                <a:uFillTx/>
-                <a:latin typeface="Sommet bold"/>
-                <a:ea typeface="+mn-ea"/>
-                <a:cs typeface="+mn-cs"/>
-              </a:rPr>
-              <a:t> </a:t>
-            </a:r>
-            <a:r>
-              <a:rPr kumimoji="0" lang="en-US" altLang="zh-CN" sz="1150" b="1" i="0" u="none" strike="noStrike" kern="1200" cap="none" spc="0" normalizeH="0" baseline="0" noProof="0" dirty="0">
-                <a:ln>
-                  <a:noFill/>
-                </a:ln>
-                <a:solidFill>
-                  <a:schemeClr val="tx1"/>
-                </a:solidFill>
-                <a:effectLst/>
-                <a:uLnTx/>
-                <a:uFillTx/>
-                <a:latin typeface="Sommet bold"/>
-                <a:ea typeface="+mn-ea"/>
-                <a:cs typeface="+mn-cs"/>
-              </a:rPr>
-              <a:t>Stylized-ImageNet</a:t>
-            </a:r>
-            <a:r>
-              <a:rPr kumimoji="0" lang="zh-CN" altLang="en-US" sz="1150" b="1" i="0" u="none" strike="noStrike" kern="1200" cap="none" spc="0" normalizeH="0" baseline="0" noProof="0" dirty="0">
-                <a:ln>
-                  <a:noFill/>
-                </a:ln>
-                <a:solidFill>
-                  <a:schemeClr val="tx1"/>
-                </a:solidFill>
-                <a:effectLst/>
-                <a:uLnTx/>
-                <a:uFillTx/>
-                <a:latin typeface="Sommet bold"/>
-                <a:ea typeface="+mn-ea"/>
-                <a:cs typeface="+mn-cs"/>
-              </a:rPr>
-              <a:t> </a:t>
-            </a:r>
-            <a:r>
-              <a:rPr kumimoji="0" lang="en-US" altLang="zh-CN" sz="1150" b="1" i="0" u="none" strike="noStrike" kern="1200" cap="none" spc="0" normalizeH="0" baseline="0" noProof="0" dirty="0">
-                <a:ln>
-                  <a:noFill/>
-                </a:ln>
-                <a:solidFill>
-                  <a:schemeClr val="tx1"/>
-                </a:solidFill>
-                <a:effectLst/>
-                <a:uLnTx/>
-                <a:uFillTx/>
-                <a:latin typeface="Sommet bold"/>
-                <a:ea typeface="+mn-ea"/>
-                <a:cs typeface="+mn-cs"/>
-              </a:rPr>
-              <a:t>(SIN),</a:t>
-            </a:r>
-            <a:r>
-              <a:rPr kumimoji="0" lang="zh-CN" altLang="en-US" sz="1150" b="1" i="0" u="none" strike="noStrike" kern="1200" cap="none" spc="0" normalizeH="0" baseline="0" noProof="0" dirty="0">
-                <a:ln>
-                  <a:noFill/>
-                </a:ln>
-                <a:solidFill>
-                  <a:schemeClr val="tx1"/>
-                </a:solidFill>
-                <a:effectLst/>
-                <a:uLnTx/>
-                <a:uFillTx/>
-                <a:latin typeface="Sommet bold"/>
-                <a:ea typeface="+mn-ea"/>
-                <a:cs typeface="+mn-cs"/>
-              </a:rPr>
-              <a:t> </a:t>
-            </a:r>
-            <a:r>
-              <a:rPr kumimoji="0" lang="en-US" altLang="zh-CN" sz="1150" b="1" i="0" u="none" strike="noStrike" kern="1200" cap="none" spc="0" normalizeH="0" baseline="0" noProof="0" dirty="0">
-                <a:ln>
-                  <a:noFill/>
-                </a:ln>
-                <a:solidFill>
-                  <a:schemeClr val="tx1"/>
-                </a:solidFill>
-                <a:effectLst/>
-                <a:uLnTx/>
-                <a:uFillTx/>
-                <a:latin typeface="Sommet bold"/>
-                <a:ea typeface="+mn-ea"/>
-                <a:cs typeface="+mn-cs"/>
-              </a:rPr>
-              <a:t>ten</a:t>
-            </a:r>
-            <a:r>
-              <a:rPr kumimoji="0" lang="zh-CN" altLang="en-US" sz="1150" b="1" i="0" u="none" strike="noStrike" kern="1200" cap="none" spc="0" normalizeH="0" baseline="0" noProof="0" dirty="0">
-                <a:ln>
-                  <a:noFill/>
-                </a:ln>
-                <a:solidFill>
-                  <a:schemeClr val="tx1"/>
-                </a:solidFill>
-                <a:effectLst/>
-                <a:uLnTx/>
-                <a:uFillTx/>
-                <a:latin typeface="Sommet bold"/>
-                <a:ea typeface="+mn-ea"/>
-                <a:cs typeface="+mn-cs"/>
-              </a:rPr>
-              <a:t> </a:t>
-            </a:r>
-            <a:r>
-              <a:rPr kumimoji="0" lang="en-US" altLang="zh-CN" sz="1150" b="1" i="0" u="none" strike="noStrike" kern="1200" cap="none" spc="0" normalizeH="0" baseline="0" noProof="0" dirty="0">
-                <a:ln>
-                  <a:noFill/>
-                </a:ln>
-                <a:solidFill>
-                  <a:schemeClr val="tx1"/>
-                </a:solidFill>
-                <a:effectLst/>
-                <a:uLnTx/>
-                <a:uFillTx/>
-                <a:latin typeface="Sommet bold"/>
-                <a:ea typeface="+mn-ea"/>
-                <a:cs typeface="+mn-cs"/>
-              </a:rPr>
-              <a:t>different</a:t>
-            </a:r>
-            <a:r>
-              <a:rPr kumimoji="0" lang="zh-CN" altLang="en-US" sz="1150" b="1" i="0" u="none" strike="noStrike" kern="1200" cap="none" spc="0" normalizeH="0" baseline="0" noProof="0" dirty="0">
-                <a:ln>
-                  <a:noFill/>
-                </a:ln>
-                <a:solidFill>
-                  <a:schemeClr val="tx1"/>
-                </a:solidFill>
-                <a:effectLst/>
-                <a:uLnTx/>
-                <a:uFillTx/>
-                <a:latin typeface="Sommet bold"/>
-                <a:ea typeface="+mn-ea"/>
-                <a:cs typeface="+mn-cs"/>
-              </a:rPr>
-              <a:t> </a:t>
-            </a:r>
-            <a:r>
-              <a:rPr kumimoji="0" lang="en-US" altLang="zh-CN" sz="1150" b="1" i="0" u="none" strike="noStrike" kern="1200" cap="none" spc="0" normalizeH="0" baseline="0" noProof="0" dirty="0">
-                <a:ln>
-                  <a:noFill/>
-                </a:ln>
-                <a:solidFill>
-                  <a:schemeClr val="tx1"/>
-                </a:solidFill>
-                <a:effectLst/>
-                <a:uLnTx/>
-                <a:uFillTx/>
-                <a:latin typeface="Sommet bold"/>
-                <a:ea typeface="+mn-ea"/>
-                <a:cs typeface="+mn-cs"/>
-              </a:rPr>
-              <a:t>painting</a:t>
-            </a:r>
-            <a:r>
-              <a:rPr kumimoji="0" lang="zh-CN" altLang="en-US" sz="1150" b="1" i="0" u="none" strike="noStrike" kern="1200" cap="none" spc="0" normalizeH="0" baseline="0" noProof="0" dirty="0">
-                <a:ln>
-                  <a:noFill/>
-                </a:ln>
-                <a:solidFill>
-                  <a:schemeClr val="tx1"/>
-                </a:solidFill>
-                <a:effectLst/>
-                <a:uLnTx/>
-                <a:uFillTx/>
-                <a:latin typeface="Sommet bold"/>
-                <a:ea typeface="+mn-ea"/>
-                <a:cs typeface="+mn-cs"/>
-              </a:rPr>
-              <a:t> </a:t>
-            </a:r>
-            <a:r>
-              <a:rPr kumimoji="0" lang="en-US" altLang="zh-CN" sz="1150" b="1" i="0" u="none" strike="noStrike" kern="1200" cap="none" spc="0" normalizeH="0" baseline="0" noProof="0" dirty="0">
-                <a:ln>
-                  <a:noFill/>
-                </a:ln>
-                <a:solidFill>
-                  <a:schemeClr val="tx1"/>
-                </a:solidFill>
-                <a:effectLst/>
-                <a:uLnTx/>
-                <a:uFillTx/>
-                <a:latin typeface="Sommet bold"/>
-                <a:ea typeface="+mn-ea"/>
-                <a:cs typeface="+mn-cs"/>
-              </a:rPr>
-              <a:t>texture</a:t>
-            </a:r>
-            <a:r>
-              <a:rPr kumimoji="0" lang="zh-CN" altLang="en-US" sz="1150" b="1" i="0" u="none" strike="noStrike" kern="1200" cap="none" spc="0" normalizeH="0" baseline="0" noProof="0" dirty="0">
-                <a:ln>
-                  <a:noFill/>
-                </a:ln>
-                <a:solidFill>
-                  <a:schemeClr val="tx1"/>
-                </a:solidFill>
-                <a:effectLst/>
-                <a:uLnTx/>
-                <a:uFillTx/>
-                <a:latin typeface="Sommet bold"/>
-                <a:ea typeface="+mn-ea"/>
-                <a:cs typeface="+mn-cs"/>
-              </a:rPr>
-              <a:t> </a:t>
-            </a:r>
-            <a:r>
-              <a:rPr kumimoji="0" lang="en-US" altLang="zh-CN" sz="1150" b="1" i="0" u="none" strike="noStrike" kern="1200" cap="none" spc="0" normalizeH="0" baseline="0" noProof="0" dirty="0">
-                <a:ln>
-                  <a:noFill/>
-                </a:ln>
-                <a:solidFill>
-                  <a:schemeClr val="tx1"/>
-                </a:solidFill>
-                <a:effectLst/>
-                <a:uLnTx/>
-                <a:uFillTx/>
-                <a:latin typeface="Sommet bold"/>
-                <a:ea typeface="+mn-ea"/>
-                <a:cs typeface="+mn-cs"/>
-              </a:rPr>
-              <a:t>to</a:t>
-            </a:r>
-            <a:r>
-              <a:rPr kumimoji="0" lang="zh-CN" altLang="en-US" sz="1150" b="1" i="0" u="none" strike="noStrike" kern="1200" cap="none" spc="0" normalizeH="0" baseline="0" noProof="0" dirty="0">
-                <a:ln>
-                  <a:noFill/>
-                </a:ln>
-                <a:solidFill>
-                  <a:schemeClr val="tx1"/>
-                </a:solidFill>
-                <a:effectLst/>
-                <a:uLnTx/>
-                <a:uFillTx/>
-                <a:latin typeface="Sommet bold"/>
-                <a:ea typeface="+mn-ea"/>
-                <a:cs typeface="+mn-cs"/>
-              </a:rPr>
-              <a:t> </a:t>
-            </a:r>
-            <a:r>
-              <a:rPr kumimoji="0" lang="en-US" altLang="zh-CN" sz="1150" b="1" i="0" u="none" strike="noStrike" kern="1200" cap="none" spc="0" normalizeH="0" baseline="0" noProof="0" dirty="0">
-                <a:ln>
-                  <a:noFill/>
-                </a:ln>
-                <a:solidFill>
-                  <a:schemeClr val="tx1"/>
-                </a:solidFill>
-                <a:effectLst/>
-                <a:uLnTx/>
-                <a:uFillTx/>
-                <a:latin typeface="Sommet bold"/>
-                <a:ea typeface="+mn-ea"/>
-                <a:cs typeface="+mn-cs"/>
-              </a:rPr>
-              <a:t>a</a:t>
-            </a:r>
-            <a:r>
-              <a:rPr kumimoji="0" lang="zh-CN" altLang="en-US" sz="1150" b="1" i="0" u="none" strike="noStrike" kern="1200" cap="none" spc="0" normalizeH="0" baseline="0" noProof="0" dirty="0">
-                <a:ln>
-                  <a:noFill/>
-                </a:ln>
-                <a:solidFill>
-                  <a:schemeClr val="tx1"/>
-                </a:solidFill>
-                <a:effectLst/>
-                <a:uLnTx/>
-                <a:uFillTx/>
-                <a:latin typeface="Sommet bold"/>
-                <a:ea typeface="+mn-ea"/>
-                <a:cs typeface="+mn-cs"/>
-              </a:rPr>
-              <a:t> </a:t>
-            </a:r>
-            <a:r>
-              <a:rPr kumimoji="0" lang="en-US" altLang="zh-CN" sz="1150" b="1" i="0" u="none" strike="noStrike" kern="1200" cap="none" spc="0" normalizeH="0" baseline="0" noProof="0" dirty="0">
-                <a:ln>
-                  <a:noFill/>
-                </a:ln>
-                <a:solidFill>
-                  <a:schemeClr val="tx1"/>
-                </a:solidFill>
-                <a:effectLst/>
-                <a:uLnTx/>
-                <a:uFillTx/>
-                <a:latin typeface="Sommet bold"/>
-                <a:ea typeface="+mn-ea"/>
-                <a:cs typeface="+mn-cs"/>
-              </a:rPr>
-              <a:t>random</a:t>
-            </a:r>
-            <a:r>
-              <a:rPr kumimoji="0" lang="zh-CN" altLang="en-US" sz="1150" b="1" i="0" u="none" strike="noStrike" kern="1200" cap="none" spc="0" normalizeH="0" baseline="0" noProof="0" dirty="0">
-                <a:ln>
-                  <a:noFill/>
-                </a:ln>
-                <a:solidFill>
-                  <a:schemeClr val="tx1"/>
-                </a:solidFill>
-                <a:effectLst/>
-                <a:uLnTx/>
-                <a:uFillTx/>
-                <a:latin typeface="Sommet bold"/>
-                <a:ea typeface="+mn-ea"/>
-                <a:cs typeface="+mn-cs"/>
-              </a:rPr>
-              <a:t> </a:t>
-            </a:r>
-            <a:r>
-              <a:rPr kumimoji="0" lang="en-US" altLang="zh-CN" sz="1150" b="1" i="0" u="none" strike="noStrike" kern="1200" cap="none" spc="0" normalizeH="0" baseline="0" noProof="0" dirty="0">
-                <a:ln>
-                  <a:noFill/>
-                </a:ln>
-                <a:solidFill>
-                  <a:schemeClr val="tx1"/>
-                </a:solidFill>
-                <a:effectLst/>
-                <a:uLnTx/>
-                <a:uFillTx/>
-                <a:latin typeface="Sommet bold"/>
-                <a:ea typeface="+mn-ea"/>
-                <a:cs typeface="+mn-cs"/>
-              </a:rPr>
-              <a:t>ImageNet</a:t>
-            </a:r>
-            <a:r>
-              <a:rPr kumimoji="0" lang="zh-CN" altLang="en-US" sz="1150" b="1" i="0" u="none" strike="noStrike" kern="1200" cap="none" spc="0" normalizeH="0" baseline="0" noProof="0" dirty="0">
-                <a:ln>
-                  <a:noFill/>
-                </a:ln>
-                <a:solidFill>
-                  <a:schemeClr val="tx1"/>
-                </a:solidFill>
-                <a:effectLst/>
-                <a:uLnTx/>
-                <a:uFillTx/>
-                <a:latin typeface="Sommet bold"/>
-                <a:ea typeface="+mn-ea"/>
-                <a:cs typeface="+mn-cs"/>
-              </a:rPr>
-              <a:t> </a:t>
-            </a:r>
-            <a:r>
-              <a:rPr kumimoji="0" lang="en-US" altLang="zh-CN" sz="1150" b="1" i="0" u="none" strike="noStrike" kern="1200" cap="none" spc="0" normalizeH="0" baseline="0" noProof="0" dirty="0">
-                <a:ln>
-                  <a:noFill/>
-                </a:ln>
-                <a:solidFill>
-                  <a:schemeClr val="tx1"/>
-                </a:solidFill>
-                <a:effectLst/>
-                <a:uLnTx/>
-                <a:uFillTx/>
-                <a:latin typeface="Sommet bold"/>
-                <a:ea typeface="+mn-ea"/>
-                <a:cs typeface="+mn-cs"/>
-              </a:rPr>
-              <a:t>image</a:t>
-            </a:r>
-            <a:r>
-              <a:rPr lang="zh-CN" altLang="en-US" sz="1150" b="1" dirty="0">
-                <a:latin typeface="Sommet bold"/>
-                <a:ea typeface="+mn-ea"/>
-              </a:rPr>
-              <a:t> </a:t>
-            </a:r>
-            <a:r>
-              <a:rPr lang="en-AU" altLang="zh-CN" sz="1150" b="1" dirty="0">
-                <a:latin typeface="Sommet bold"/>
-              </a:rPr>
-              <a:t>(</a:t>
-            </a:r>
-            <a:r>
-              <a:rPr lang="en-AU" altLang="zh-CN" sz="1150" b="1" dirty="0" err="1">
-                <a:latin typeface="Sommet bold"/>
-              </a:rPr>
-              <a:t>Geirhos</a:t>
-            </a:r>
-            <a:r>
-              <a:rPr lang="en-AU" altLang="zh-CN" sz="1150" b="1" dirty="0">
-                <a:latin typeface="Sommet bold"/>
-              </a:rPr>
-              <a:t> et al., 2019)</a:t>
-            </a:r>
-            <a:endParaRPr lang="en-AU" sz="1150" b="1" dirty="0">
-              <a:latin typeface="Sommet bold"/>
-            </a:endParaRPr>
-          </a:p>
-        </p:txBody>
-      </p:sp>
-    </p:spTree>
-    <p:extLst>
-      <p:ext uri="{BB962C8B-B14F-4D97-AF65-F5344CB8AC3E}">
-        <p14:creationId xmlns:p14="http://schemas.microsoft.com/office/powerpoint/2010/main" val="3992887498"/>
-      </p:ext>
-    </p:extLst>
-  </p:cSld>
-  <p:clrMapOvr>
-    <a:masterClrMapping/>
-  </p:clrMapOvr>
-</p:sld>
-</file>
-
-<file path=ppt/slides/slide6.xml><?xml version="1.0" encoding="utf-8"?>
 <p:sld xmlns:a="http://schemas.openxmlformats.org/drawingml/2006/main" xmlns:r="http://schemas.openxmlformats.org/officeDocument/2006/relationships" xmlns:p="http://schemas.openxmlformats.org/presentationml/2006/main">
   <p:cSld>
     <p:spTree>
@@ -5080,6 +5459,53 @@
           <a:bodyPr/>
           <a:lstStyle/>
           <a:p>
+            <a:pPr marL="0" indent="0"/>
+            <a:r>
+              <a:rPr lang="en-US" altLang="zh-CN" dirty="0"/>
+              <a:t>CNNs</a:t>
+            </a:r>
+            <a:r>
+              <a:rPr lang="zh-CN" altLang="en-US" dirty="0"/>
+              <a:t> </a:t>
+            </a:r>
+            <a:r>
+              <a:rPr lang="en-US" altLang="zh-CN" dirty="0"/>
+              <a:t>mostly</a:t>
+            </a:r>
+            <a:r>
+              <a:rPr lang="zh-CN" altLang="en-US" dirty="0"/>
+              <a:t> </a:t>
+            </a:r>
+            <a:r>
+              <a:rPr lang="en-US" altLang="zh-CN" dirty="0"/>
+              <a:t>recognize</a:t>
+            </a:r>
+            <a:r>
+              <a:rPr lang="zh-CN" altLang="en-US" dirty="0"/>
+              <a:t> </a:t>
+            </a:r>
+            <a:r>
+              <a:rPr lang="en-US" altLang="zh-CN" dirty="0"/>
+              <a:t>textures,</a:t>
+            </a:r>
+            <a:r>
+              <a:rPr lang="zh-CN" altLang="en-US" dirty="0"/>
+              <a:t> </a:t>
+            </a:r>
+            <a:r>
+              <a:rPr lang="en-US" altLang="zh-CN" dirty="0"/>
+              <a:t>not</a:t>
+            </a:r>
+            <a:r>
+              <a:rPr lang="zh-CN" altLang="en-US" dirty="0"/>
+              <a:t> </a:t>
+            </a:r>
+            <a:r>
+              <a:rPr lang="en-US" altLang="zh-CN" dirty="0"/>
+              <a:t>shapes</a:t>
+            </a:r>
+          </a:p>
+          <a:p>
             <a:pPr>
               <a:buFont typeface="Arial" panose="020B0604020202020204" pitchFamily="34" charset="0"/>
               <a:buChar char="•"/>
@@ -5274,7 +5700,10 @@
               <a:rPr lang="en-US" altLang="zh-CN" dirty="0"/>
               <a:t>texture.</a:t>
             </a:r>
-            <a:endParaRPr lang="en-AU" altLang="zh-CN" dirty="0"/>
+          </a:p>
+          <a:p>
+            <a:pPr marL="0" indent="0"/>
+            <a:endParaRPr lang="en-US" altLang="zh-CN" dirty="0"/>
           </a:p>
         </p:txBody>
       </p:sp>
@@ -5302,7 +5731,7 @@
             <a:fld id="{5C213CF7-9790-6548-95A9-51DD9168E4DE}" type="slidenum">
               <a:rPr lang="en-US" smtClean="0"/>
               <a:pPr/>
-              <a:t>5</a:t>
+              <a:t>4</a:t>
             </a:fld>
             <a:endParaRPr lang="en-US" dirty="0"/>
           </a:p>
@@ -5581,7 +6010,1398 @@
 </p:sld>
 </file>
 
+<file path=ppt/slides/slide6.xml><?xml version="1.0" encoding="utf-8"?>
+<p:sld xmlns:a="http://schemas.openxmlformats.org/drawingml/2006/main" xmlns:r="http://schemas.openxmlformats.org/officeDocument/2006/relationships" xmlns:p="http://schemas.openxmlformats.org/presentationml/2006/main">
+  <p:cSld>
+    <p:spTree>
+      <p:nvGrpSpPr>
+        <p:cNvPr id="1" name=""/>
+        <p:cNvGrpSpPr/>
+        <p:nvPr/>
+      </p:nvGrpSpPr>
+      <p:grpSpPr>
+        <a:xfrm>
+          <a:off x="0" y="0"/>
+          <a:ext cx="0" cy="0"/>
+          <a:chOff x="0" y="0"/>
+          <a:chExt cx="0" cy="0"/>
+        </a:xfrm>
+      </p:grpSpPr>
+      <p:sp>
+        <p:nvSpPr>
+          <p:cNvPr id="2" name="Title 1">
+            <a:extLst>
+              <a:ext uri="{FF2B5EF4-FFF2-40B4-BE49-F238E27FC236}">
+                <a16:creationId xmlns:a16="http://schemas.microsoft.com/office/drawing/2014/main" id="{101C5770-F948-C246-B715-9F5959AD22E3}"/>
+              </a:ext>
+            </a:extLst>
+          </p:cNvPr>
+          <p:cNvSpPr>
+            <a:spLocks noGrp="1"/>
+          </p:cNvSpPr>
+          <p:nvPr>
+            <p:ph type="title"/>
+          </p:nvPr>
+        </p:nvSpPr>
+        <p:spPr/>
+        <p:txBody>
+          <a:bodyPr/>
+          <a:lstStyle/>
+          <a:p>
+            <a:r>
+              <a:rPr lang="en-US" altLang="zh-CN" dirty="0"/>
+              <a:t>The</a:t>
+            </a:r>
+            <a:r>
+              <a:rPr lang="zh-CN" altLang="en-US" dirty="0"/>
+              <a:t> </a:t>
+            </a:r>
+            <a:r>
+              <a:rPr lang="en-US" altLang="zh-CN" dirty="0"/>
+              <a:t>experiment</a:t>
+            </a:r>
+            <a:endParaRPr lang="en-AU" dirty="0"/>
+          </a:p>
+        </p:txBody>
+      </p:sp>
+      <p:pic>
+        <p:nvPicPr>
+          <p:cNvPr id="5" name="Picture 4">
+            <a:extLst>
+              <a:ext uri="{FF2B5EF4-FFF2-40B4-BE49-F238E27FC236}">
+                <a16:creationId xmlns:a16="http://schemas.microsoft.com/office/drawing/2014/main" id="{64FA77FF-5474-6743-B85E-D97735EEF838}"/>
+              </a:ext>
+            </a:extLst>
+          </p:cNvPr>
+          <p:cNvPicPr>
+            <a:picLocks noChangeAspect="1"/>
+          </p:cNvPicPr>
+          <p:nvPr/>
+        </p:nvPicPr>
+        <p:blipFill>
+          <a:blip r:embed="rId2">
+            <a:extLst>
+              <a:ext uri="{28A0092B-C50C-407E-A947-70E740481C1C}">
+                <a14:useLocalDpi xmlns:a14="http://schemas.microsoft.com/office/drawing/2010/main" val="0"/>
+              </a:ext>
+            </a:extLst>
+          </a:blip>
+          <a:srcRect/>
+          <a:stretch/>
+        </p:blipFill>
+        <p:spPr>
+          <a:xfrm>
+            <a:off x="1377950" y="2767996"/>
+            <a:ext cx="6388100" cy="2360183"/>
+          </a:xfrm>
+          <a:prstGeom prst="rect">
+            <a:avLst/>
+          </a:prstGeom>
+        </p:spPr>
+      </p:pic>
+      <p:sp>
+        <p:nvSpPr>
+          <p:cNvPr id="3" name="Text Placeholder 2">
+            <a:extLst>
+              <a:ext uri="{FF2B5EF4-FFF2-40B4-BE49-F238E27FC236}">
+                <a16:creationId xmlns:a16="http://schemas.microsoft.com/office/drawing/2014/main" id="{9A3097FD-730D-8746-9176-87BE46FEB9F8}"/>
+              </a:ext>
+            </a:extLst>
+          </p:cNvPr>
+          <p:cNvSpPr>
+            <a:spLocks noGrp="1"/>
+          </p:cNvSpPr>
+          <p:nvPr>
+            <p:ph type="body" idx="10"/>
+          </p:nvPr>
+        </p:nvSpPr>
+        <p:spPr/>
+        <p:txBody>
+          <a:bodyPr/>
+          <a:lstStyle/>
+          <a:p>
+            <a:r>
+              <a:rPr lang="en-US" altLang="zh-CN" dirty="0"/>
+              <a:t>ImageNet</a:t>
+            </a:r>
+            <a:r>
+              <a:rPr lang="zh-CN" altLang="en-US" dirty="0"/>
+              <a:t> </a:t>
+            </a:r>
+            <a:r>
+              <a:rPr lang="en-US" altLang="zh-CN" dirty="0"/>
+              <a:t>(IN)</a:t>
+            </a:r>
+            <a:r>
+              <a:rPr lang="zh-CN" altLang="en-US" dirty="0"/>
+              <a:t> </a:t>
+            </a:r>
+            <a:r>
+              <a:rPr lang="en-US" altLang="zh-CN" dirty="0"/>
+              <a:t>might</a:t>
+            </a:r>
+            <a:r>
+              <a:rPr lang="zh-CN" altLang="en-US" dirty="0"/>
+              <a:t> </a:t>
+            </a:r>
+            <a:r>
+              <a:rPr lang="en-US" altLang="zh-CN" dirty="0"/>
+              <a:t>simply</a:t>
+            </a:r>
+            <a:r>
+              <a:rPr lang="zh-CN" altLang="en-US" dirty="0"/>
+              <a:t> </a:t>
+            </a:r>
+            <a:r>
+              <a:rPr lang="en-US" altLang="zh-CN" dirty="0"/>
+              <a:t>suffice</a:t>
+            </a:r>
+            <a:r>
+              <a:rPr lang="zh-CN" altLang="en-US" dirty="0"/>
+              <a:t> </a:t>
+            </a:r>
+            <a:r>
+              <a:rPr lang="en-US" altLang="zh-CN" dirty="0"/>
+              <a:t>to</a:t>
+            </a:r>
+            <a:r>
+              <a:rPr lang="zh-CN" altLang="en-US" dirty="0"/>
+              <a:t> </a:t>
+            </a:r>
+            <a:r>
+              <a:rPr lang="en-US" altLang="zh-CN" dirty="0"/>
+              <a:t>integrate</a:t>
+            </a:r>
+            <a:r>
+              <a:rPr lang="zh-CN" altLang="en-US" dirty="0"/>
+              <a:t> </a:t>
+            </a:r>
+            <a:r>
+              <a:rPr lang="en-US" altLang="zh-CN" dirty="0"/>
+              <a:t>evidence</a:t>
+            </a:r>
+            <a:r>
+              <a:rPr lang="zh-CN" altLang="en-US" dirty="0"/>
+              <a:t> </a:t>
+            </a:r>
+            <a:r>
+              <a:rPr lang="en-US" altLang="zh-CN" dirty="0"/>
+              <a:t>from</a:t>
+            </a:r>
+            <a:r>
+              <a:rPr lang="zh-CN" altLang="en-US" dirty="0"/>
+              <a:t> </a:t>
+            </a:r>
+            <a:r>
+              <a:rPr lang="en-US" altLang="zh-CN" dirty="0"/>
+              <a:t>many</a:t>
+            </a:r>
+            <a:r>
+              <a:rPr lang="zh-CN" altLang="en-US" dirty="0"/>
+              <a:t> </a:t>
+            </a:r>
+            <a:r>
+              <a:rPr lang="en-US" altLang="zh-CN" dirty="0"/>
+              <a:t>local</a:t>
+            </a:r>
+            <a:r>
+              <a:rPr lang="zh-CN" altLang="en-US" dirty="0"/>
+              <a:t> </a:t>
+            </a:r>
+            <a:r>
+              <a:rPr lang="en-US" altLang="zh-CN" dirty="0"/>
+              <a:t>texture</a:t>
+            </a:r>
+            <a:r>
+              <a:rPr lang="zh-CN" altLang="en-US" dirty="0"/>
+              <a:t> </a:t>
+            </a:r>
+            <a:r>
+              <a:rPr lang="en-US" altLang="zh-CN" dirty="0"/>
+              <a:t>features</a:t>
+            </a:r>
+            <a:r>
+              <a:rPr lang="zh-CN" altLang="en-US" dirty="0"/>
+              <a:t> </a:t>
+            </a:r>
+            <a:r>
+              <a:rPr lang="en-US" altLang="zh-CN" dirty="0"/>
+              <a:t>rather</a:t>
+            </a:r>
+            <a:r>
+              <a:rPr lang="zh-CN" altLang="en-US" dirty="0"/>
+              <a:t> </a:t>
+            </a:r>
+            <a:r>
+              <a:rPr lang="en-US" altLang="zh-CN" dirty="0"/>
+              <a:t>than</a:t>
+            </a:r>
+            <a:r>
+              <a:rPr lang="zh-CN" altLang="en-US" dirty="0"/>
+              <a:t> </a:t>
+            </a:r>
+            <a:r>
+              <a:rPr lang="en-US" altLang="zh-CN" dirty="0"/>
+              <a:t>classifying</a:t>
+            </a:r>
+            <a:r>
+              <a:rPr lang="zh-CN" altLang="en-US" dirty="0"/>
+              <a:t> </a:t>
+            </a:r>
+            <a:r>
+              <a:rPr lang="en-US" altLang="zh-CN" dirty="0"/>
+              <a:t>global</a:t>
+            </a:r>
+            <a:r>
+              <a:rPr lang="zh-CN" altLang="en-US" dirty="0"/>
+              <a:t> </a:t>
+            </a:r>
+            <a:r>
+              <a:rPr lang="en-US" altLang="zh-CN" dirty="0"/>
+              <a:t>shapes.</a:t>
+            </a:r>
+          </a:p>
+          <a:p>
+            <a:endParaRPr lang="en-US" altLang="zh-CN" b="1" dirty="0"/>
+          </a:p>
+          <a:p>
+            <a:r>
+              <a:rPr lang="en-US" altLang="zh-CN" b="1" dirty="0"/>
+              <a:t>Using</a:t>
+            </a:r>
+            <a:r>
+              <a:rPr lang="zh-CN" altLang="en-US" b="1" dirty="0"/>
+              <a:t> </a:t>
+            </a:r>
+            <a:r>
+              <a:rPr lang="en-US" altLang="zh-CN" b="1" dirty="0"/>
+              <a:t>Stylized-ImageNet</a:t>
+            </a:r>
+            <a:r>
+              <a:rPr lang="zh-CN" altLang="en-US" b="1" dirty="0"/>
+              <a:t> </a:t>
+            </a:r>
+            <a:r>
+              <a:rPr lang="en-US" altLang="zh-CN" b="1" dirty="0"/>
+              <a:t>(SIN)</a:t>
+            </a:r>
+          </a:p>
+        </p:txBody>
+      </p:sp>
+      <p:sp>
+        <p:nvSpPr>
+          <p:cNvPr id="4" name="Slide Number Placeholder 3">
+            <a:extLst>
+              <a:ext uri="{FF2B5EF4-FFF2-40B4-BE49-F238E27FC236}">
+                <a16:creationId xmlns:a16="http://schemas.microsoft.com/office/drawing/2014/main" id="{E6AA2541-971E-614D-ADCC-05F37182EDAA}"/>
+              </a:ext>
+            </a:extLst>
+          </p:cNvPr>
+          <p:cNvSpPr>
+            <a:spLocks noGrp="1"/>
+          </p:cNvSpPr>
+          <p:nvPr>
+            <p:ph type="sldNum" sz="quarter" idx="11"/>
+          </p:nvPr>
+        </p:nvSpPr>
+        <p:spPr/>
+        <p:txBody>
+          <a:bodyPr/>
+          <a:lstStyle/>
+          <a:p>
+            <a:fld id="{5C213CF7-9790-6548-95A9-51DD9168E4DE}" type="slidenum">
+              <a:rPr lang="en-US" smtClean="0"/>
+              <a:pPr/>
+              <a:t>5</a:t>
+            </a:fld>
+            <a:endParaRPr lang="en-US" dirty="0"/>
+          </a:p>
+        </p:txBody>
+      </p:sp>
+      <p:sp>
+        <p:nvSpPr>
+          <p:cNvPr id="6" name="TextBox 5">
+            <a:extLst>
+              <a:ext uri="{FF2B5EF4-FFF2-40B4-BE49-F238E27FC236}">
+                <a16:creationId xmlns:a16="http://schemas.microsoft.com/office/drawing/2014/main" id="{A5DD4FDA-9EA1-214D-BEBB-92B8C9465960}"/>
+              </a:ext>
+            </a:extLst>
+          </p:cNvPr>
+          <p:cNvSpPr txBox="1"/>
+          <p:nvPr/>
+        </p:nvSpPr>
+        <p:spPr>
+          <a:xfrm>
+            <a:off x="967515" y="5175920"/>
+            <a:ext cx="7209026" cy="269304"/>
+          </a:xfrm>
+          <a:prstGeom prst="rect">
+            <a:avLst/>
+          </a:prstGeom>
+        </p:spPr>
+        <p:txBody>
+          <a:bodyPr wrap="none" rtlCol="0">
+            <a:spAutoFit/>
+          </a:bodyPr>
+          <a:lstStyle/>
+          <a:p>
+            <a:pPr marL="342900" indent="-342900" algn="ctr" fontAlgn="auto">
+              <a:spcBef>
+                <a:spcPct val="20000"/>
+              </a:spcBef>
+              <a:spcAft>
+                <a:spcPts val="0"/>
+              </a:spcAft>
+            </a:pPr>
+            <a:r>
+              <a:rPr kumimoji="0" lang="en-US" altLang="zh-CN" sz="1150" b="1" i="0" u="none" strike="noStrike" kern="1200" cap="none" spc="0" normalizeH="0" baseline="0" noProof="0" dirty="0">
+                <a:ln>
+                  <a:noFill/>
+                </a:ln>
+                <a:solidFill>
+                  <a:schemeClr val="tx1"/>
+                </a:solidFill>
+                <a:effectLst/>
+                <a:uLnTx/>
+                <a:uFillTx/>
+                <a:latin typeface="Sommet bold"/>
+                <a:ea typeface="+mn-ea"/>
+                <a:cs typeface="+mn-cs"/>
+              </a:rPr>
+              <a:t>Figure</a:t>
+            </a:r>
+            <a:r>
+              <a:rPr kumimoji="0" lang="zh-CN" altLang="en-US" sz="1150" b="1" i="0" u="none" strike="noStrike" kern="1200" cap="none" spc="0" normalizeH="0" baseline="0" noProof="0" dirty="0">
+                <a:ln>
+                  <a:noFill/>
+                </a:ln>
+                <a:solidFill>
+                  <a:schemeClr val="tx1"/>
+                </a:solidFill>
+                <a:effectLst/>
+                <a:uLnTx/>
+                <a:uFillTx/>
+                <a:latin typeface="Sommet bold"/>
+                <a:ea typeface="+mn-ea"/>
+                <a:cs typeface="+mn-cs"/>
+              </a:rPr>
+              <a:t> </a:t>
+            </a:r>
+            <a:r>
+              <a:rPr kumimoji="0" lang="en-US" altLang="zh-CN" sz="1150" b="1" i="0" u="none" strike="noStrike" kern="1200" cap="none" spc="0" normalizeH="0" baseline="0" noProof="0" dirty="0">
+                <a:ln>
+                  <a:noFill/>
+                </a:ln>
+                <a:solidFill>
+                  <a:schemeClr val="tx1"/>
+                </a:solidFill>
+                <a:effectLst/>
+                <a:uLnTx/>
+                <a:uFillTx/>
+                <a:latin typeface="Sommet bold"/>
+                <a:ea typeface="+mn-ea"/>
+                <a:cs typeface="+mn-cs"/>
+              </a:rPr>
+              <a:t>3:</a:t>
+            </a:r>
+            <a:r>
+              <a:rPr kumimoji="0" lang="zh-CN" altLang="en-US" sz="1150" b="1" i="0" u="none" strike="noStrike" kern="1200" cap="none" spc="0" normalizeH="0" baseline="0" noProof="0" dirty="0">
+                <a:ln>
+                  <a:noFill/>
+                </a:ln>
+                <a:solidFill>
+                  <a:schemeClr val="tx1"/>
+                </a:solidFill>
+                <a:effectLst/>
+                <a:uLnTx/>
+                <a:uFillTx/>
+                <a:latin typeface="Sommet bold"/>
+                <a:ea typeface="+mn-ea"/>
+                <a:cs typeface="+mn-cs"/>
+              </a:rPr>
+              <a:t> </a:t>
+            </a:r>
+            <a:r>
+              <a:rPr kumimoji="0" lang="en-US" altLang="zh-CN" sz="1150" b="1" i="0" u="none" strike="noStrike" kern="1200" cap="none" spc="0" normalizeH="0" baseline="0" noProof="0" dirty="0">
+                <a:ln>
+                  <a:noFill/>
+                </a:ln>
+                <a:solidFill>
+                  <a:schemeClr val="tx1"/>
+                </a:solidFill>
+                <a:effectLst/>
+                <a:uLnTx/>
+                <a:uFillTx/>
+                <a:latin typeface="Sommet bold"/>
+                <a:ea typeface="+mn-ea"/>
+                <a:cs typeface="+mn-cs"/>
+              </a:rPr>
+              <a:t>Stylized-ImageNet</a:t>
+            </a:r>
+            <a:r>
+              <a:rPr kumimoji="0" lang="zh-CN" altLang="en-US" sz="1150" b="1" i="0" u="none" strike="noStrike" kern="1200" cap="none" spc="0" normalizeH="0" baseline="0" noProof="0" dirty="0">
+                <a:ln>
+                  <a:noFill/>
+                </a:ln>
+                <a:solidFill>
+                  <a:schemeClr val="tx1"/>
+                </a:solidFill>
+                <a:effectLst/>
+                <a:uLnTx/>
+                <a:uFillTx/>
+                <a:latin typeface="Sommet bold"/>
+                <a:ea typeface="+mn-ea"/>
+                <a:cs typeface="+mn-cs"/>
+              </a:rPr>
+              <a:t> </a:t>
+            </a:r>
+            <a:r>
+              <a:rPr kumimoji="0" lang="en-US" altLang="zh-CN" sz="1150" b="1" i="0" u="none" strike="noStrike" kern="1200" cap="none" spc="0" normalizeH="0" baseline="0" noProof="0" dirty="0">
+                <a:ln>
+                  <a:noFill/>
+                </a:ln>
+                <a:solidFill>
+                  <a:schemeClr val="tx1"/>
+                </a:solidFill>
+                <a:effectLst/>
+                <a:uLnTx/>
+                <a:uFillTx/>
+                <a:latin typeface="Sommet bold"/>
+                <a:ea typeface="+mn-ea"/>
+                <a:cs typeface="+mn-cs"/>
+              </a:rPr>
+              <a:t>(SIN),</a:t>
+            </a:r>
+            <a:r>
+              <a:rPr kumimoji="0" lang="zh-CN" altLang="en-US" sz="1150" b="1" i="0" u="none" strike="noStrike" kern="1200" cap="none" spc="0" normalizeH="0" baseline="0" noProof="0" dirty="0">
+                <a:ln>
+                  <a:noFill/>
+                </a:ln>
+                <a:solidFill>
+                  <a:schemeClr val="tx1"/>
+                </a:solidFill>
+                <a:effectLst/>
+                <a:uLnTx/>
+                <a:uFillTx/>
+                <a:latin typeface="Sommet bold"/>
+                <a:ea typeface="+mn-ea"/>
+                <a:cs typeface="+mn-cs"/>
+              </a:rPr>
+              <a:t> </a:t>
+            </a:r>
+            <a:r>
+              <a:rPr kumimoji="0" lang="en-US" altLang="zh-CN" sz="1150" b="1" i="0" u="none" strike="noStrike" kern="1200" cap="none" spc="0" normalizeH="0" baseline="0" noProof="0" dirty="0">
+                <a:ln>
+                  <a:noFill/>
+                </a:ln>
+                <a:solidFill>
+                  <a:schemeClr val="tx1"/>
+                </a:solidFill>
+                <a:effectLst/>
+                <a:uLnTx/>
+                <a:uFillTx/>
+                <a:latin typeface="Sommet bold"/>
+                <a:ea typeface="+mn-ea"/>
+                <a:cs typeface="+mn-cs"/>
+              </a:rPr>
+              <a:t>ten</a:t>
+            </a:r>
+            <a:r>
+              <a:rPr kumimoji="0" lang="zh-CN" altLang="en-US" sz="1150" b="1" i="0" u="none" strike="noStrike" kern="1200" cap="none" spc="0" normalizeH="0" baseline="0" noProof="0" dirty="0">
+                <a:ln>
+                  <a:noFill/>
+                </a:ln>
+                <a:solidFill>
+                  <a:schemeClr val="tx1"/>
+                </a:solidFill>
+                <a:effectLst/>
+                <a:uLnTx/>
+                <a:uFillTx/>
+                <a:latin typeface="Sommet bold"/>
+                <a:ea typeface="+mn-ea"/>
+                <a:cs typeface="+mn-cs"/>
+              </a:rPr>
+              <a:t> </a:t>
+            </a:r>
+            <a:r>
+              <a:rPr kumimoji="0" lang="en-US" altLang="zh-CN" sz="1150" b="1" i="0" u="none" strike="noStrike" kern="1200" cap="none" spc="0" normalizeH="0" baseline="0" noProof="0" dirty="0">
+                <a:ln>
+                  <a:noFill/>
+                </a:ln>
+                <a:solidFill>
+                  <a:schemeClr val="tx1"/>
+                </a:solidFill>
+                <a:effectLst/>
+                <a:uLnTx/>
+                <a:uFillTx/>
+                <a:latin typeface="Sommet bold"/>
+                <a:ea typeface="+mn-ea"/>
+                <a:cs typeface="+mn-cs"/>
+              </a:rPr>
+              <a:t>different</a:t>
+            </a:r>
+            <a:r>
+              <a:rPr kumimoji="0" lang="zh-CN" altLang="en-US" sz="1150" b="1" i="0" u="none" strike="noStrike" kern="1200" cap="none" spc="0" normalizeH="0" baseline="0" noProof="0" dirty="0">
+                <a:ln>
+                  <a:noFill/>
+                </a:ln>
+                <a:solidFill>
+                  <a:schemeClr val="tx1"/>
+                </a:solidFill>
+                <a:effectLst/>
+                <a:uLnTx/>
+                <a:uFillTx/>
+                <a:latin typeface="Sommet bold"/>
+                <a:ea typeface="+mn-ea"/>
+                <a:cs typeface="+mn-cs"/>
+              </a:rPr>
+              <a:t> </a:t>
+            </a:r>
+            <a:r>
+              <a:rPr kumimoji="0" lang="en-US" altLang="zh-CN" sz="1150" b="1" i="0" u="none" strike="noStrike" kern="1200" cap="none" spc="0" normalizeH="0" baseline="0" noProof="0" dirty="0">
+                <a:ln>
+                  <a:noFill/>
+                </a:ln>
+                <a:solidFill>
+                  <a:schemeClr val="tx1"/>
+                </a:solidFill>
+                <a:effectLst/>
+                <a:uLnTx/>
+                <a:uFillTx/>
+                <a:latin typeface="Sommet bold"/>
+                <a:ea typeface="+mn-ea"/>
+                <a:cs typeface="+mn-cs"/>
+              </a:rPr>
+              <a:t>painting</a:t>
+            </a:r>
+            <a:r>
+              <a:rPr kumimoji="0" lang="zh-CN" altLang="en-US" sz="1150" b="1" i="0" u="none" strike="noStrike" kern="1200" cap="none" spc="0" normalizeH="0" baseline="0" noProof="0" dirty="0">
+                <a:ln>
+                  <a:noFill/>
+                </a:ln>
+                <a:solidFill>
+                  <a:schemeClr val="tx1"/>
+                </a:solidFill>
+                <a:effectLst/>
+                <a:uLnTx/>
+                <a:uFillTx/>
+                <a:latin typeface="Sommet bold"/>
+                <a:ea typeface="+mn-ea"/>
+                <a:cs typeface="+mn-cs"/>
+              </a:rPr>
+              <a:t> </a:t>
+            </a:r>
+            <a:r>
+              <a:rPr kumimoji="0" lang="en-US" altLang="zh-CN" sz="1150" b="1" i="0" u="none" strike="noStrike" kern="1200" cap="none" spc="0" normalizeH="0" baseline="0" noProof="0" dirty="0">
+                <a:ln>
+                  <a:noFill/>
+                </a:ln>
+                <a:solidFill>
+                  <a:schemeClr val="tx1"/>
+                </a:solidFill>
+                <a:effectLst/>
+                <a:uLnTx/>
+                <a:uFillTx/>
+                <a:latin typeface="Sommet bold"/>
+                <a:ea typeface="+mn-ea"/>
+                <a:cs typeface="+mn-cs"/>
+              </a:rPr>
+              <a:t>texture</a:t>
+            </a:r>
+            <a:r>
+              <a:rPr kumimoji="0" lang="zh-CN" altLang="en-US" sz="1150" b="1" i="0" u="none" strike="noStrike" kern="1200" cap="none" spc="0" normalizeH="0" baseline="0" noProof="0" dirty="0">
+                <a:ln>
+                  <a:noFill/>
+                </a:ln>
+                <a:solidFill>
+                  <a:schemeClr val="tx1"/>
+                </a:solidFill>
+                <a:effectLst/>
+                <a:uLnTx/>
+                <a:uFillTx/>
+                <a:latin typeface="Sommet bold"/>
+                <a:ea typeface="+mn-ea"/>
+                <a:cs typeface="+mn-cs"/>
+              </a:rPr>
+              <a:t> </a:t>
+            </a:r>
+            <a:r>
+              <a:rPr kumimoji="0" lang="en-US" altLang="zh-CN" sz="1150" b="1" i="0" u="none" strike="noStrike" kern="1200" cap="none" spc="0" normalizeH="0" baseline="0" noProof="0" dirty="0">
+                <a:ln>
+                  <a:noFill/>
+                </a:ln>
+                <a:solidFill>
+                  <a:schemeClr val="tx1"/>
+                </a:solidFill>
+                <a:effectLst/>
+                <a:uLnTx/>
+                <a:uFillTx/>
+                <a:latin typeface="Sommet bold"/>
+                <a:ea typeface="+mn-ea"/>
+                <a:cs typeface="+mn-cs"/>
+              </a:rPr>
+              <a:t>to</a:t>
+            </a:r>
+            <a:r>
+              <a:rPr kumimoji="0" lang="zh-CN" altLang="en-US" sz="1150" b="1" i="0" u="none" strike="noStrike" kern="1200" cap="none" spc="0" normalizeH="0" baseline="0" noProof="0" dirty="0">
+                <a:ln>
+                  <a:noFill/>
+                </a:ln>
+                <a:solidFill>
+                  <a:schemeClr val="tx1"/>
+                </a:solidFill>
+                <a:effectLst/>
+                <a:uLnTx/>
+                <a:uFillTx/>
+                <a:latin typeface="Sommet bold"/>
+                <a:ea typeface="+mn-ea"/>
+                <a:cs typeface="+mn-cs"/>
+              </a:rPr>
+              <a:t> </a:t>
+            </a:r>
+            <a:r>
+              <a:rPr kumimoji="0" lang="en-US" altLang="zh-CN" sz="1150" b="1" i="0" u="none" strike="noStrike" kern="1200" cap="none" spc="0" normalizeH="0" baseline="0" noProof="0" dirty="0">
+                <a:ln>
+                  <a:noFill/>
+                </a:ln>
+                <a:solidFill>
+                  <a:schemeClr val="tx1"/>
+                </a:solidFill>
+                <a:effectLst/>
+                <a:uLnTx/>
+                <a:uFillTx/>
+                <a:latin typeface="Sommet bold"/>
+                <a:ea typeface="+mn-ea"/>
+                <a:cs typeface="+mn-cs"/>
+              </a:rPr>
+              <a:t>a</a:t>
+            </a:r>
+            <a:r>
+              <a:rPr kumimoji="0" lang="zh-CN" altLang="en-US" sz="1150" b="1" i="0" u="none" strike="noStrike" kern="1200" cap="none" spc="0" normalizeH="0" baseline="0" noProof="0" dirty="0">
+                <a:ln>
+                  <a:noFill/>
+                </a:ln>
+                <a:solidFill>
+                  <a:schemeClr val="tx1"/>
+                </a:solidFill>
+                <a:effectLst/>
+                <a:uLnTx/>
+                <a:uFillTx/>
+                <a:latin typeface="Sommet bold"/>
+                <a:ea typeface="+mn-ea"/>
+                <a:cs typeface="+mn-cs"/>
+              </a:rPr>
+              <a:t> </a:t>
+            </a:r>
+            <a:r>
+              <a:rPr kumimoji="0" lang="en-US" altLang="zh-CN" sz="1150" b="1" i="0" u="none" strike="noStrike" kern="1200" cap="none" spc="0" normalizeH="0" baseline="0" noProof="0" dirty="0">
+                <a:ln>
+                  <a:noFill/>
+                </a:ln>
+                <a:solidFill>
+                  <a:schemeClr val="tx1"/>
+                </a:solidFill>
+                <a:effectLst/>
+                <a:uLnTx/>
+                <a:uFillTx/>
+                <a:latin typeface="Sommet bold"/>
+                <a:ea typeface="+mn-ea"/>
+                <a:cs typeface="+mn-cs"/>
+              </a:rPr>
+              <a:t>random</a:t>
+            </a:r>
+            <a:r>
+              <a:rPr kumimoji="0" lang="zh-CN" altLang="en-US" sz="1150" b="1" i="0" u="none" strike="noStrike" kern="1200" cap="none" spc="0" normalizeH="0" baseline="0" noProof="0" dirty="0">
+                <a:ln>
+                  <a:noFill/>
+                </a:ln>
+                <a:solidFill>
+                  <a:schemeClr val="tx1"/>
+                </a:solidFill>
+                <a:effectLst/>
+                <a:uLnTx/>
+                <a:uFillTx/>
+                <a:latin typeface="Sommet bold"/>
+                <a:ea typeface="+mn-ea"/>
+                <a:cs typeface="+mn-cs"/>
+              </a:rPr>
+              <a:t> </a:t>
+            </a:r>
+            <a:r>
+              <a:rPr kumimoji="0" lang="en-US" altLang="zh-CN" sz="1150" b="1" i="0" u="none" strike="noStrike" kern="1200" cap="none" spc="0" normalizeH="0" baseline="0" noProof="0" dirty="0">
+                <a:ln>
+                  <a:noFill/>
+                </a:ln>
+                <a:solidFill>
+                  <a:schemeClr val="tx1"/>
+                </a:solidFill>
+                <a:effectLst/>
+                <a:uLnTx/>
+                <a:uFillTx/>
+                <a:latin typeface="Sommet bold"/>
+                <a:ea typeface="+mn-ea"/>
+                <a:cs typeface="+mn-cs"/>
+              </a:rPr>
+              <a:t>ImageNet</a:t>
+            </a:r>
+            <a:r>
+              <a:rPr kumimoji="0" lang="zh-CN" altLang="en-US" sz="1150" b="1" i="0" u="none" strike="noStrike" kern="1200" cap="none" spc="0" normalizeH="0" baseline="0" noProof="0" dirty="0">
+                <a:ln>
+                  <a:noFill/>
+                </a:ln>
+                <a:solidFill>
+                  <a:schemeClr val="tx1"/>
+                </a:solidFill>
+                <a:effectLst/>
+                <a:uLnTx/>
+                <a:uFillTx/>
+                <a:latin typeface="Sommet bold"/>
+                <a:ea typeface="+mn-ea"/>
+                <a:cs typeface="+mn-cs"/>
+              </a:rPr>
+              <a:t> </a:t>
+            </a:r>
+            <a:r>
+              <a:rPr kumimoji="0" lang="en-US" altLang="zh-CN" sz="1150" b="1" i="0" u="none" strike="noStrike" kern="1200" cap="none" spc="0" normalizeH="0" baseline="0" noProof="0" dirty="0">
+                <a:ln>
+                  <a:noFill/>
+                </a:ln>
+                <a:solidFill>
+                  <a:schemeClr val="tx1"/>
+                </a:solidFill>
+                <a:effectLst/>
+                <a:uLnTx/>
+                <a:uFillTx/>
+                <a:latin typeface="Sommet bold"/>
+                <a:ea typeface="+mn-ea"/>
+                <a:cs typeface="+mn-cs"/>
+              </a:rPr>
+              <a:t>image</a:t>
+            </a:r>
+            <a:r>
+              <a:rPr lang="zh-CN" altLang="en-US" sz="1150" b="1" dirty="0">
+                <a:latin typeface="Sommet bold"/>
+                <a:ea typeface="+mn-ea"/>
+              </a:rPr>
+              <a:t> </a:t>
+            </a:r>
+            <a:r>
+              <a:rPr lang="en-AU" altLang="zh-CN" sz="1150" b="1" dirty="0">
+                <a:latin typeface="Sommet bold"/>
+              </a:rPr>
+              <a:t>(</a:t>
+            </a:r>
+            <a:r>
+              <a:rPr lang="en-AU" altLang="zh-CN" sz="1150" b="1" dirty="0" err="1">
+                <a:latin typeface="Sommet bold"/>
+              </a:rPr>
+              <a:t>Geirhos</a:t>
+            </a:r>
+            <a:r>
+              <a:rPr lang="en-AU" altLang="zh-CN" sz="1150" b="1" dirty="0">
+                <a:latin typeface="Sommet bold"/>
+              </a:rPr>
+              <a:t> et al., 2019)</a:t>
+            </a:r>
+            <a:endParaRPr lang="en-AU" sz="1150" b="1" dirty="0">
+              <a:latin typeface="Sommet bold"/>
+            </a:endParaRPr>
+          </a:p>
+        </p:txBody>
+      </p:sp>
+    </p:spTree>
+    <p:extLst>
+      <p:ext uri="{BB962C8B-B14F-4D97-AF65-F5344CB8AC3E}">
+        <p14:creationId xmlns:p14="http://schemas.microsoft.com/office/powerpoint/2010/main" val="3992887498"/>
+      </p:ext>
+    </p:extLst>
+  </p:cSld>
+  <p:clrMapOvr>
+    <a:masterClrMapping/>
+  </p:clrMapOvr>
+</p:sld>
+</file>
+
 <file path=ppt/slides/slide7.xml><?xml version="1.0" encoding="utf-8"?>
+<p:sld xmlns:a="http://schemas.openxmlformats.org/drawingml/2006/main" xmlns:r="http://schemas.openxmlformats.org/officeDocument/2006/relationships" xmlns:p="http://schemas.openxmlformats.org/presentationml/2006/main">
+  <p:cSld>
+    <p:spTree>
+      <p:nvGrpSpPr>
+        <p:cNvPr id="1" name=""/>
+        <p:cNvGrpSpPr/>
+        <p:nvPr/>
+      </p:nvGrpSpPr>
+      <p:grpSpPr>
+        <a:xfrm>
+          <a:off x="0" y="0"/>
+          <a:ext cx="0" cy="0"/>
+          <a:chOff x="0" y="0"/>
+          <a:chExt cx="0" cy="0"/>
+        </a:xfrm>
+      </p:grpSpPr>
+      <p:sp>
+        <p:nvSpPr>
+          <p:cNvPr id="2" name="Title 1">
+            <a:extLst>
+              <a:ext uri="{FF2B5EF4-FFF2-40B4-BE49-F238E27FC236}">
+                <a16:creationId xmlns:a16="http://schemas.microsoft.com/office/drawing/2014/main" id="{101C5770-F948-C246-B715-9F5959AD22E3}"/>
+              </a:ext>
+            </a:extLst>
+          </p:cNvPr>
+          <p:cNvSpPr>
+            <a:spLocks noGrp="1"/>
+          </p:cNvSpPr>
+          <p:nvPr>
+            <p:ph type="title"/>
+          </p:nvPr>
+        </p:nvSpPr>
+        <p:spPr/>
+        <p:txBody>
+          <a:bodyPr/>
+          <a:lstStyle/>
+          <a:p>
+            <a:r>
+              <a:rPr lang="en-US" altLang="zh-CN" dirty="0"/>
+              <a:t>The</a:t>
+            </a:r>
+            <a:r>
+              <a:rPr lang="zh-CN" altLang="en-US" dirty="0"/>
+              <a:t> </a:t>
+            </a:r>
+            <a:r>
+              <a:rPr lang="en-US" altLang="zh-CN" dirty="0"/>
+              <a:t>experiment</a:t>
+            </a:r>
+            <a:endParaRPr lang="en-AU" dirty="0"/>
+          </a:p>
+        </p:txBody>
+      </p:sp>
+      <p:pic>
+        <p:nvPicPr>
+          <p:cNvPr id="5" name="Picture 4">
+            <a:extLst>
+              <a:ext uri="{FF2B5EF4-FFF2-40B4-BE49-F238E27FC236}">
+                <a16:creationId xmlns:a16="http://schemas.microsoft.com/office/drawing/2014/main" id="{64FA77FF-5474-6743-B85E-D97735EEF838}"/>
+              </a:ext>
+            </a:extLst>
+          </p:cNvPr>
+          <p:cNvPicPr>
+            <a:picLocks noChangeAspect="1"/>
+          </p:cNvPicPr>
+          <p:nvPr/>
+        </p:nvPicPr>
+        <p:blipFill>
+          <a:blip r:embed="rId2">
+            <a:extLst>
+              <a:ext uri="{28A0092B-C50C-407E-A947-70E740481C1C}">
+                <a14:useLocalDpi xmlns:a14="http://schemas.microsoft.com/office/drawing/2010/main" val="0"/>
+              </a:ext>
+            </a:extLst>
+          </a:blip>
+          <a:srcRect/>
+          <a:stretch/>
+        </p:blipFill>
+        <p:spPr>
+          <a:xfrm>
+            <a:off x="4672048" y="1023938"/>
+            <a:ext cx="3903590" cy="4784198"/>
+          </a:xfrm>
+          <a:prstGeom prst="rect">
+            <a:avLst/>
+          </a:prstGeom>
+        </p:spPr>
+      </p:pic>
+      <p:sp>
+        <p:nvSpPr>
+          <p:cNvPr id="3" name="Text Placeholder 2">
+            <a:extLst>
+              <a:ext uri="{FF2B5EF4-FFF2-40B4-BE49-F238E27FC236}">
+                <a16:creationId xmlns:a16="http://schemas.microsoft.com/office/drawing/2014/main" id="{9A3097FD-730D-8746-9176-87BE46FEB9F8}"/>
+              </a:ext>
+            </a:extLst>
+          </p:cNvPr>
+          <p:cNvSpPr>
+            <a:spLocks noGrp="1"/>
+          </p:cNvSpPr>
+          <p:nvPr>
+            <p:ph type="body" idx="10"/>
+          </p:nvPr>
+        </p:nvSpPr>
+        <p:spPr>
+          <a:xfrm>
+            <a:off x="468313" y="1227137"/>
+            <a:ext cx="4103687" cy="4606925"/>
+          </a:xfrm>
+        </p:spPr>
+        <p:txBody>
+          <a:bodyPr/>
+          <a:lstStyle/>
+          <a:p>
+            <a:pPr>
+              <a:buFont typeface="Arial" panose="020B0604020202020204" pitchFamily="34" charset="0"/>
+              <a:buChar char="•"/>
+            </a:pPr>
+            <a:r>
+              <a:rPr lang="en-US" altLang="zh-CN" dirty="0"/>
+              <a:t>SIN</a:t>
+            </a:r>
+            <a:r>
+              <a:rPr lang="zh-CN" altLang="en-US" dirty="0"/>
+              <a:t> </a:t>
+            </a:r>
+            <a:r>
+              <a:rPr lang="en-US" altLang="zh-CN" dirty="0"/>
+              <a:t>(orange</a:t>
+            </a:r>
+            <a:r>
+              <a:rPr lang="zh-CN" altLang="en-US" dirty="0"/>
+              <a:t> </a:t>
+            </a:r>
+            <a:r>
+              <a:rPr lang="en-US" altLang="zh-CN" dirty="0"/>
+              <a:t>squares)</a:t>
+            </a:r>
+            <a:r>
+              <a:rPr lang="zh-CN" altLang="en-US" dirty="0"/>
+              <a:t> </a:t>
+            </a:r>
+            <a:r>
+              <a:rPr lang="en-US" altLang="zh-CN" dirty="0"/>
+              <a:t>are</a:t>
+            </a:r>
+            <a:r>
+              <a:rPr lang="zh-CN" altLang="en-US" dirty="0"/>
+              <a:t> </a:t>
+            </a:r>
+            <a:r>
+              <a:rPr lang="en-US" altLang="zh-CN" dirty="0"/>
+              <a:t>more</a:t>
+            </a:r>
+            <a:r>
+              <a:rPr lang="zh-CN" altLang="en-US" dirty="0"/>
+              <a:t> </a:t>
+            </a:r>
+            <a:r>
+              <a:rPr lang="en-US" altLang="zh-CN" dirty="0"/>
+              <a:t>towards</a:t>
+            </a:r>
+            <a:r>
+              <a:rPr lang="zh-CN" altLang="en-US" dirty="0"/>
+              <a:t> </a:t>
+            </a:r>
+            <a:r>
+              <a:rPr lang="en-US" altLang="zh-CN" dirty="0"/>
+              <a:t>shape</a:t>
+            </a:r>
+            <a:r>
+              <a:rPr lang="zh-CN" altLang="en-US" dirty="0"/>
+              <a:t> </a:t>
+            </a:r>
+            <a:r>
+              <a:rPr lang="en-US" altLang="zh-CN" dirty="0"/>
+              <a:t>comparing</a:t>
+            </a:r>
+            <a:r>
+              <a:rPr lang="zh-CN" altLang="en-US" dirty="0"/>
+              <a:t> </a:t>
+            </a:r>
+            <a:r>
+              <a:rPr lang="en-US" altLang="zh-CN" dirty="0"/>
+              <a:t>to</a:t>
+            </a:r>
+            <a:r>
+              <a:rPr lang="zh-CN" altLang="en-US" dirty="0"/>
+              <a:t> </a:t>
+            </a:r>
+            <a:r>
+              <a:rPr lang="en-US" altLang="zh-CN" dirty="0"/>
+              <a:t>IN</a:t>
+            </a:r>
+            <a:r>
+              <a:rPr lang="zh-CN" altLang="en-US" dirty="0"/>
+              <a:t> </a:t>
+            </a:r>
+            <a:r>
+              <a:rPr lang="en-US" altLang="zh-CN" dirty="0"/>
+              <a:t>(grey</a:t>
+            </a:r>
+            <a:r>
+              <a:rPr lang="zh-CN" altLang="en-US" dirty="0"/>
+              <a:t> </a:t>
+            </a:r>
+            <a:r>
+              <a:rPr lang="en-US" altLang="zh-CN" dirty="0"/>
+              <a:t>squares)</a:t>
+            </a:r>
+            <a:endParaRPr lang="en-AU" altLang="zh-CN" dirty="0"/>
+          </a:p>
+        </p:txBody>
+      </p:sp>
+      <p:sp>
+        <p:nvSpPr>
+          <p:cNvPr id="4" name="Slide Number Placeholder 3">
+            <a:extLst>
+              <a:ext uri="{FF2B5EF4-FFF2-40B4-BE49-F238E27FC236}">
+                <a16:creationId xmlns:a16="http://schemas.microsoft.com/office/drawing/2014/main" id="{E6AA2541-971E-614D-ADCC-05F37182EDAA}"/>
+              </a:ext>
+            </a:extLst>
+          </p:cNvPr>
+          <p:cNvSpPr>
+            <a:spLocks noGrp="1"/>
+          </p:cNvSpPr>
+          <p:nvPr>
+            <p:ph type="sldNum" sz="quarter" idx="11"/>
+          </p:nvPr>
+        </p:nvSpPr>
+        <p:spPr/>
+        <p:txBody>
+          <a:bodyPr/>
+          <a:lstStyle/>
+          <a:p>
+            <a:fld id="{5C213CF7-9790-6548-95A9-51DD9168E4DE}" type="slidenum">
+              <a:rPr lang="en-US" smtClean="0"/>
+              <a:pPr/>
+              <a:t>6</a:t>
+            </a:fld>
+            <a:endParaRPr lang="en-US" dirty="0"/>
+          </a:p>
+        </p:txBody>
+      </p:sp>
+      <p:sp>
+        <p:nvSpPr>
+          <p:cNvPr id="6" name="TextBox 5">
+            <a:extLst>
+              <a:ext uri="{FF2B5EF4-FFF2-40B4-BE49-F238E27FC236}">
+                <a16:creationId xmlns:a16="http://schemas.microsoft.com/office/drawing/2014/main" id="{A5DD4FDA-9EA1-214D-BEBB-92B8C9465960}"/>
+              </a:ext>
+            </a:extLst>
+          </p:cNvPr>
+          <p:cNvSpPr txBox="1"/>
+          <p:nvPr/>
+        </p:nvSpPr>
+        <p:spPr>
+          <a:xfrm>
+            <a:off x="2445456" y="5839338"/>
+            <a:ext cx="4253087" cy="269304"/>
+          </a:xfrm>
+          <a:prstGeom prst="rect">
+            <a:avLst/>
+          </a:prstGeom>
+        </p:spPr>
+        <p:txBody>
+          <a:bodyPr wrap="none" rtlCol="0">
+            <a:spAutoFit/>
+          </a:bodyPr>
+          <a:lstStyle/>
+          <a:p>
+            <a:pPr marL="342900" indent="-342900" algn="ctr" fontAlgn="auto">
+              <a:spcBef>
+                <a:spcPct val="20000"/>
+              </a:spcBef>
+              <a:spcAft>
+                <a:spcPts val="0"/>
+              </a:spcAft>
+            </a:pPr>
+            <a:r>
+              <a:rPr kumimoji="0" lang="en-US" altLang="zh-CN" sz="1150" b="1" i="0" u="none" strike="noStrike" kern="1200" cap="none" spc="0" normalizeH="0" baseline="0" noProof="0" dirty="0">
+                <a:ln>
+                  <a:noFill/>
+                </a:ln>
+                <a:solidFill>
+                  <a:schemeClr val="tx1"/>
+                </a:solidFill>
+                <a:effectLst/>
+                <a:uLnTx/>
+                <a:uFillTx/>
+                <a:latin typeface="Sommet bold"/>
+                <a:ea typeface="+mn-ea"/>
+                <a:cs typeface="+mn-cs"/>
+              </a:rPr>
+              <a:t>Figure</a:t>
+            </a:r>
+            <a:r>
+              <a:rPr kumimoji="0" lang="zh-CN" altLang="en-US" sz="1150" b="1" i="0" u="none" strike="noStrike" kern="1200" cap="none" spc="0" normalizeH="0" baseline="0" noProof="0" dirty="0">
+                <a:ln>
+                  <a:noFill/>
+                </a:ln>
+                <a:solidFill>
+                  <a:schemeClr val="tx1"/>
+                </a:solidFill>
+                <a:effectLst/>
+                <a:uLnTx/>
+                <a:uFillTx/>
+                <a:latin typeface="Sommet bold"/>
+                <a:ea typeface="+mn-ea"/>
+                <a:cs typeface="+mn-cs"/>
+              </a:rPr>
+              <a:t> </a:t>
+            </a:r>
+            <a:r>
+              <a:rPr kumimoji="0" lang="en-US" altLang="zh-CN" sz="1150" b="1" i="0" u="none" strike="noStrike" kern="1200" cap="none" spc="0" normalizeH="0" baseline="0" noProof="0" dirty="0">
+                <a:ln>
+                  <a:noFill/>
+                </a:ln>
+                <a:solidFill>
+                  <a:schemeClr val="tx1"/>
+                </a:solidFill>
+                <a:effectLst/>
+                <a:uLnTx/>
+                <a:uFillTx/>
+                <a:latin typeface="Sommet bold"/>
+                <a:ea typeface="+mn-ea"/>
+                <a:cs typeface="+mn-cs"/>
+              </a:rPr>
+              <a:t>6:</a:t>
+            </a:r>
+            <a:r>
+              <a:rPr kumimoji="0" lang="zh-CN" altLang="en-US" sz="1150" b="1" i="0" u="none" strike="noStrike" kern="1200" cap="none" spc="0" normalizeH="0" baseline="0" noProof="0" dirty="0">
+                <a:ln>
+                  <a:noFill/>
+                </a:ln>
+                <a:solidFill>
+                  <a:schemeClr val="tx1"/>
+                </a:solidFill>
+                <a:effectLst/>
+                <a:uLnTx/>
+                <a:uFillTx/>
+                <a:latin typeface="Sommet bold"/>
+                <a:ea typeface="+mn-ea"/>
+                <a:cs typeface="+mn-cs"/>
+              </a:rPr>
+              <a:t> </a:t>
+            </a:r>
+            <a:r>
+              <a:rPr kumimoji="0" lang="en-US" altLang="zh-CN" sz="1150" b="1" i="0" u="none" strike="noStrike" kern="1200" cap="none" spc="0" normalizeH="0" baseline="0" noProof="0" dirty="0">
+                <a:ln>
+                  <a:noFill/>
+                </a:ln>
+                <a:solidFill>
+                  <a:schemeClr val="tx1"/>
+                </a:solidFill>
+                <a:effectLst/>
+                <a:uLnTx/>
+                <a:uFillTx/>
+                <a:latin typeface="Sommet bold"/>
+                <a:ea typeface="+mn-ea"/>
+                <a:cs typeface="+mn-cs"/>
+              </a:rPr>
+              <a:t>Classification</a:t>
+            </a:r>
+            <a:r>
+              <a:rPr kumimoji="0" lang="zh-CN" altLang="en-US" sz="1150" b="1" i="0" u="none" strike="noStrike" kern="1200" cap="none" spc="0" normalizeH="0" baseline="0" noProof="0" dirty="0">
+                <a:ln>
+                  <a:noFill/>
+                </a:ln>
+                <a:solidFill>
+                  <a:schemeClr val="tx1"/>
+                </a:solidFill>
+                <a:effectLst/>
+                <a:uLnTx/>
+                <a:uFillTx/>
+                <a:latin typeface="Sommet bold"/>
+                <a:ea typeface="+mn-ea"/>
+                <a:cs typeface="+mn-cs"/>
+              </a:rPr>
+              <a:t> </a:t>
+            </a:r>
+            <a:r>
+              <a:rPr kumimoji="0" lang="en-US" altLang="zh-CN" sz="1150" b="1" i="0" u="none" strike="noStrike" kern="1200" cap="none" spc="0" normalizeH="0" baseline="0" noProof="0" dirty="0">
+                <a:ln>
+                  <a:noFill/>
+                </a:ln>
+                <a:solidFill>
+                  <a:schemeClr val="tx1"/>
+                </a:solidFill>
+                <a:effectLst/>
+                <a:uLnTx/>
+                <a:uFillTx/>
+                <a:latin typeface="Sommet bold"/>
+                <a:ea typeface="+mn-ea"/>
+                <a:cs typeface="+mn-cs"/>
+              </a:rPr>
+              <a:t>result</a:t>
+            </a:r>
+            <a:r>
+              <a:rPr kumimoji="0" lang="zh-CN" altLang="en-US" sz="1150" b="1" i="0" u="none" strike="noStrike" kern="1200" cap="none" spc="0" normalizeH="0" baseline="0" noProof="0" dirty="0">
+                <a:ln>
+                  <a:noFill/>
+                </a:ln>
+                <a:solidFill>
+                  <a:schemeClr val="tx1"/>
+                </a:solidFill>
+                <a:effectLst/>
+                <a:uLnTx/>
+                <a:uFillTx/>
+                <a:latin typeface="Sommet bold"/>
+                <a:ea typeface="+mn-ea"/>
+                <a:cs typeface="+mn-cs"/>
+              </a:rPr>
+              <a:t> </a:t>
+            </a:r>
+            <a:r>
+              <a:rPr kumimoji="0" lang="en-US" altLang="zh-CN" sz="1150" b="1" i="0" u="none" strike="noStrike" kern="1200" cap="none" spc="0" normalizeH="0" baseline="0" noProof="0" dirty="0">
+                <a:ln>
+                  <a:noFill/>
+                </a:ln>
+                <a:solidFill>
+                  <a:schemeClr val="tx1"/>
+                </a:solidFill>
+                <a:effectLst/>
+                <a:uLnTx/>
+                <a:uFillTx/>
+                <a:latin typeface="Sommet bold"/>
+                <a:ea typeface="+mn-ea"/>
+                <a:cs typeface="+mn-cs"/>
+              </a:rPr>
+              <a:t>using</a:t>
+            </a:r>
+            <a:r>
+              <a:rPr kumimoji="0" lang="zh-CN" altLang="en-US" sz="1150" b="1" i="0" u="none" strike="noStrike" kern="1200" cap="none" spc="0" normalizeH="0" baseline="0" noProof="0" dirty="0">
+                <a:ln>
+                  <a:noFill/>
+                </a:ln>
+                <a:solidFill>
+                  <a:schemeClr val="tx1"/>
+                </a:solidFill>
+                <a:effectLst/>
+                <a:uLnTx/>
+                <a:uFillTx/>
+                <a:latin typeface="Sommet bold"/>
+                <a:ea typeface="+mn-ea"/>
+                <a:cs typeface="+mn-cs"/>
+              </a:rPr>
+              <a:t> </a:t>
+            </a:r>
+            <a:r>
+              <a:rPr kumimoji="0" lang="en-US" altLang="zh-CN" sz="1150" b="1" i="0" u="none" strike="noStrike" kern="1200" cap="none" spc="0" normalizeH="0" baseline="0" noProof="0" dirty="0">
+                <a:ln>
+                  <a:noFill/>
+                </a:ln>
+                <a:solidFill>
+                  <a:schemeClr val="tx1"/>
+                </a:solidFill>
+                <a:effectLst/>
+                <a:uLnTx/>
+                <a:uFillTx/>
+                <a:latin typeface="Sommet bold"/>
+                <a:ea typeface="+mn-ea"/>
+                <a:cs typeface="+mn-cs"/>
+              </a:rPr>
+              <a:t>IN</a:t>
+            </a:r>
+            <a:r>
+              <a:rPr kumimoji="0" lang="zh-CN" altLang="en-US" sz="1150" b="1" i="0" u="none" strike="noStrike" kern="1200" cap="none" spc="0" normalizeH="0" baseline="0" noProof="0" dirty="0">
+                <a:ln>
+                  <a:noFill/>
+                </a:ln>
+                <a:solidFill>
+                  <a:schemeClr val="tx1"/>
+                </a:solidFill>
+                <a:effectLst/>
+                <a:uLnTx/>
+                <a:uFillTx/>
+                <a:latin typeface="Sommet bold"/>
+                <a:ea typeface="+mn-ea"/>
+                <a:cs typeface="+mn-cs"/>
+              </a:rPr>
+              <a:t> </a:t>
+            </a:r>
+            <a:r>
+              <a:rPr kumimoji="0" lang="en-US" altLang="zh-CN" sz="1150" b="1" i="0" u="none" strike="noStrike" kern="1200" cap="none" spc="0" normalizeH="0" baseline="0" noProof="0" dirty="0">
+                <a:ln>
+                  <a:noFill/>
+                </a:ln>
+                <a:solidFill>
+                  <a:schemeClr val="tx1"/>
+                </a:solidFill>
+                <a:effectLst/>
+                <a:uLnTx/>
+                <a:uFillTx/>
+                <a:latin typeface="Sommet bold"/>
+                <a:ea typeface="+mn-ea"/>
+                <a:cs typeface="+mn-cs"/>
+              </a:rPr>
+              <a:t>and</a:t>
+            </a:r>
+            <a:r>
+              <a:rPr kumimoji="0" lang="zh-CN" altLang="en-US" sz="1150" b="1" i="0" u="none" strike="noStrike" kern="1200" cap="none" spc="0" normalizeH="0" baseline="0" noProof="0" dirty="0">
+                <a:ln>
+                  <a:noFill/>
+                </a:ln>
+                <a:solidFill>
+                  <a:schemeClr val="tx1"/>
+                </a:solidFill>
+                <a:effectLst/>
+                <a:uLnTx/>
+                <a:uFillTx/>
+                <a:latin typeface="Sommet bold"/>
+                <a:ea typeface="+mn-ea"/>
+                <a:cs typeface="+mn-cs"/>
+              </a:rPr>
+              <a:t> </a:t>
+            </a:r>
+            <a:r>
+              <a:rPr kumimoji="0" lang="en-US" altLang="zh-CN" sz="1150" b="1" i="0" u="none" strike="noStrike" kern="1200" cap="none" spc="0" normalizeH="0" baseline="0" noProof="0" dirty="0">
+                <a:ln>
+                  <a:noFill/>
+                </a:ln>
+                <a:solidFill>
+                  <a:schemeClr val="tx1"/>
+                </a:solidFill>
+                <a:effectLst/>
+                <a:uLnTx/>
+                <a:uFillTx/>
+                <a:latin typeface="Sommet bold"/>
+                <a:ea typeface="+mn-ea"/>
+                <a:cs typeface="+mn-cs"/>
+              </a:rPr>
+              <a:t>SIN</a:t>
+            </a:r>
+            <a:r>
+              <a:rPr lang="zh-CN" altLang="en-US" sz="1150" b="1" dirty="0">
+                <a:latin typeface="Sommet bold"/>
+                <a:ea typeface="+mn-ea"/>
+              </a:rPr>
+              <a:t> </a:t>
+            </a:r>
+            <a:r>
+              <a:rPr lang="en-AU" altLang="zh-CN" sz="1150" b="1" dirty="0">
+                <a:latin typeface="Sommet bold"/>
+              </a:rPr>
+              <a:t>(</a:t>
+            </a:r>
+            <a:r>
+              <a:rPr lang="en-AU" altLang="zh-CN" sz="1150" b="1" dirty="0" err="1">
+                <a:latin typeface="Sommet bold"/>
+              </a:rPr>
+              <a:t>Geirhos</a:t>
+            </a:r>
+            <a:r>
+              <a:rPr lang="en-AU" altLang="zh-CN" sz="1150" b="1" dirty="0">
+                <a:latin typeface="Sommet bold"/>
+              </a:rPr>
+              <a:t> et al., 2019)</a:t>
+            </a:r>
+            <a:endParaRPr lang="en-AU" sz="1150" b="1" dirty="0">
+              <a:latin typeface="Sommet bold"/>
+            </a:endParaRPr>
+          </a:p>
+        </p:txBody>
+      </p:sp>
+    </p:spTree>
+    <p:extLst>
+      <p:ext uri="{BB962C8B-B14F-4D97-AF65-F5344CB8AC3E}">
+        <p14:creationId xmlns:p14="http://schemas.microsoft.com/office/powerpoint/2010/main" val="2474342593"/>
+      </p:ext>
+    </p:extLst>
+  </p:cSld>
+  <p:clrMapOvr>
+    <a:masterClrMapping/>
+  </p:clrMapOvr>
+</p:sld>
+</file>
+
+<file path=ppt/slides/slide8.xml><?xml version="1.0" encoding="utf-8"?>
 <p:sld xmlns:a="http://schemas.openxmlformats.org/drawingml/2006/main" xmlns:r="http://schemas.openxmlformats.org/officeDocument/2006/relationships" xmlns:p="http://schemas.openxmlformats.org/presentationml/2006/main">
   <p:cSld>
     <p:spTree>
@@ -6184,7 +8004,7 @@
             <a:fld id="{5C213CF7-9790-6548-95A9-51DD9168E4DE}" type="slidenum">
               <a:rPr lang="en-US" smtClean="0"/>
               <a:pPr/>
-              <a:t>6</a:t>
+              <a:t>7</a:t>
             </a:fld>
             <a:endParaRPr lang="en-US" dirty="0"/>
           </a:p>
@@ -6204,8 +8024,8 @@
         </p:nvSpPr>
         <p:spPr>
           <a:xfrm>
-            <a:off x="2708354" y="5437675"/>
-            <a:ext cx="3727303" cy="269304"/>
+            <a:off x="1685644" y="5437675"/>
+            <a:ext cx="5772735" cy="269304"/>
           </a:xfrm>
           <a:prstGeom prst="rect">
             <a:avLst/>
@@ -6377,6 +8197,150 @@
                 <a:cs typeface="+mn-cs"/>
               </a:rPr>
               <a:t>comparison</a:t>
+            </a:r>
+            <a:r>
+              <a:rPr kumimoji="0" lang="zh-CN" altLang="en-US" sz="1150" b="1" i="0" u="none" strike="noStrike" kern="1200" cap="none" spc="0" normalizeH="0" baseline="0" noProof="0" dirty="0">
+                <a:ln>
+                  <a:noFill/>
+                </a:ln>
+                <a:solidFill>
+                  <a:schemeClr val="tx1"/>
+                </a:solidFill>
+                <a:effectLst/>
+                <a:uLnTx/>
+                <a:uFillTx/>
+                <a:latin typeface="Sommet bold"/>
+                <a:ea typeface="+mn-ea"/>
+                <a:cs typeface="+mn-cs"/>
+              </a:rPr>
+              <a:t> </a:t>
+            </a:r>
+            <a:r>
+              <a:rPr kumimoji="0" lang="en-US" altLang="zh-CN" sz="1150" b="1" i="0" u="none" strike="noStrike" kern="1200" cap="none" spc="0" normalizeH="0" baseline="0" noProof="0" dirty="0">
+                <a:ln>
+                  <a:noFill/>
+                </a:ln>
+                <a:solidFill>
+                  <a:schemeClr val="tx1"/>
+                </a:solidFill>
+                <a:effectLst/>
+                <a:uLnTx/>
+                <a:uFillTx/>
+                <a:latin typeface="Sommet bold"/>
+                <a:ea typeface="+mn-ea"/>
+                <a:cs typeface="+mn-cs"/>
+              </a:rPr>
+              <a:t>with</a:t>
+            </a:r>
+            <a:r>
+              <a:rPr kumimoji="0" lang="zh-CN" altLang="en-US" sz="1150" b="1" i="0" u="none" strike="noStrike" kern="1200" cap="none" spc="0" normalizeH="0" baseline="0" noProof="0" dirty="0">
+                <a:ln>
+                  <a:noFill/>
+                </a:ln>
+                <a:solidFill>
+                  <a:schemeClr val="tx1"/>
+                </a:solidFill>
+                <a:effectLst/>
+                <a:uLnTx/>
+                <a:uFillTx/>
+                <a:latin typeface="Sommet bold"/>
+                <a:ea typeface="+mn-ea"/>
+                <a:cs typeface="+mn-cs"/>
+              </a:rPr>
+              <a:t> </a:t>
+            </a:r>
+            <a:r>
+              <a:rPr kumimoji="0" lang="en-US" altLang="zh-CN" sz="1150" b="1" i="0" u="none" strike="noStrike" kern="1200" cap="none" spc="0" normalizeH="0" baseline="0" noProof="0" dirty="0">
+                <a:ln>
+                  <a:noFill/>
+                </a:ln>
+                <a:solidFill>
+                  <a:schemeClr val="tx1"/>
+                </a:solidFill>
+                <a:effectLst/>
+                <a:uLnTx/>
+                <a:uFillTx/>
+                <a:latin typeface="Sommet bold"/>
+                <a:ea typeface="+mn-ea"/>
+                <a:cs typeface="+mn-cs"/>
+              </a:rPr>
+              <a:t>training</a:t>
+            </a:r>
+            <a:r>
+              <a:rPr kumimoji="0" lang="zh-CN" altLang="en-US" sz="1150" b="1" i="0" u="none" strike="noStrike" kern="1200" cap="none" spc="0" normalizeH="0" baseline="0" noProof="0" dirty="0">
+                <a:ln>
+                  <a:noFill/>
+                </a:ln>
+                <a:solidFill>
+                  <a:schemeClr val="tx1"/>
+                </a:solidFill>
+                <a:effectLst/>
+                <a:uLnTx/>
+                <a:uFillTx/>
+                <a:latin typeface="Sommet bold"/>
+                <a:ea typeface="+mn-ea"/>
+                <a:cs typeface="+mn-cs"/>
+              </a:rPr>
+              <a:t> </a:t>
+            </a:r>
+            <a:r>
+              <a:rPr lang="en-US" altLang="zh-CN" sz="1150" b="1" dirty="0">
+                <a:latin typeface="Sommet bold"/>
+                <a:ea typeface="+mn-ea"/>
+              </a:rPr>
+              <a:t>data</a:t>
+            </a:r>
+            <a:r>
+              <a:rPr kumimoji="0" lang="zh-CN" altLang="en-US" sz="1150" b="1" i="0" u="none" strike="noStrike" kern="1200" cap="none" spc="0" normalizeH="0" baseline="0" noProof="0" dirty="0">
+                <a:ln>
+                  <a:noFill/>
+                </a:ln>
+                <a:solidFill>
+                  <a:schemeClr val="tx1"/>
+                </a:solidFill>
+                <a:effectLst/>
+                <a:uLnTx/>
+                <a:uFillTx/>
+                <a:latin typeface="Sommet bold"/>
+                <a:ea typeface="+mn-ea"/>
+                <a:cs typeface="+mn-cs"/>
+              </a:rPr>
+              <a:t> </a:t>
+            </a:r>
+            <a:r>
+              <a:rPr lang="en-US" altLang="zh-CN" sz="1150" b="1" dirty="0">
+                <a:latin typeface="Sommet bold"/>
+                <a:ea typeface="+mn-ea"/>
+              </a:rPr>
+              <a:t>-&gt;</a:t>
+            </a:r>
+            <a:r>
+              <a:rPr lang="zh-CN" altLang="en-US" sz="1150" b="1" dirty="0">
+                <a:latin typeface="Sommet bold"/>
+                <a:ea typeface="+mn-ea"/>
+              </a:rPr>
+              <a:t> </a:t>
+            </a:r>
+            <a:r>
+              <a:rPr lang="en-US" altLang="zh-CN" sz="1150" b="1" dirty="0">
+                <a:latin typeface="Sommet bold"/>
+                <a:ea typeface="+mn-ea"/>
+              </a:rPr>
+              <a:t>testing</a:t>
+            </a:r>
+            <a:r>
+              <a:rPr lang="zh-CN" altLang="en-US" sz="1150" b="1" dirty="0">
+                <a:latin typeface="Sommet bold"/>
+                <a:ea typeface="+mn-ea"/>
+              </a:rPr>
+              <a:t> </a:t>
+            </a:r>
+            <a:r>
+              <a:rPr lang="en-US" altLang="zh-CN" sz="1150" b="1" dirty="0">
+                <a:latin typeface="Sommet bold"/>
+                <a:ea typeface="+mn-ea"/>
+              </a:rPr>
+              <a:t>data</a:t>
             </a:r>
             <a:r>
               <a:rPr lang="zh-CN" altLang="en-US" sz="1150" b="1" dirty="0">
@@ -6422,7 +8386,7 @@
 </p:sld>
 </file>
 
-<file path=ppt/slides/slide8.xml><?xml version="1.0" encoding="utf-8"?>
+<file path=ppt/slides/slide9.xml><?xml version="1.0" encoding="utf-8"?>
 <p:sld xmlns:a="http://schemas.openxmlformats.org/drawingml/2006/main" xmlns:r="http://schemas.openxmlformats.org/officeDocument/2006/relationships" xmlns:p="http://schemas.openxmlformats.org/presentationml/2006/main">
   <p:cSld>
     <p:spTree>
@@ -6503,8 +8467,8 @@
         </p:blipFill>
         <p:spPr>
           <a:xfrm>
-            <a:off x="4672048" y="1023938"/>
-            <a:ext cx="3903590" cy="4784198"/>
+            <a:off x="1844697" y="3933056"/>
+            <a:ext cx="5454606" cy="1296144"/>
           </a:xfrm>
           <a:prstGeom prst="rect">
             <a:avLst/>
@@ -6530,19 +8494,146 @@
         <p:spPr>
           <a:xfrm>
             <a:off x="468313" y="1227137"/>
-            <a:ext cx="4103687" cy="4606925"/>
+            <a:ext cx="8208962" cy="4606925"/>
           </a:xfrm>
         </p:spPr>
         <p:txBody>
           <a:bodyPr/>
           <a:lstStyle/>
           <a:p>
-            <a:pPr>
+            <a:pPr marL="0" indent="0"/>
+            <a:r>
+              <a:rPr lang="en-US" altLang="zh-CN" dirty="0"/>
+              <a:t>Training</a:t>
+            </a:r>
+            <a:r>
+              <a:rPr lang="zh-CN" altLang="en-US" dirty="0"/>
+              <a:t> </a:t>
+            </a:r>
+            <a:r>
+              <a:rPr lang="en-US" altLang="zh-CN" dirty="0"/>
+              <a:t>alone</a:t>
+            </a:r>
+            <a:r>
+              <a:rPr lang="zh-CN" altLang="en-US" dirty="0"/>
+              <a:t> </a:t>
+            </a:r>
+            <a:r>
+              <a:rPr lang="en-US" altLang="zh-CN" dirty="0"/>
+              <a:t>with</a:t>
+            </a:r>
+            <a:r>
+              <a:rPr lang="zh-CN" altLang="en-US" dirty="0"/>
+              <a:t> </a:t>
+            </a:r>
+            <a:r>
+              <a:rPr lang="en-US" altLang="zh-CN" dirty="0"/>
+              <a:t>SIN</a:t>
+            </a:r>
+            <a:r>
+              <a:rPr lang="zh-CN" altLang="en-US" dirty="0"/>
+              <a:t> </a:t>
+            </a:r>
+            <a:r>
+              <a:rPr lang="en-US" altLang="zh-CN" dirty="0"/>
+              <a:t>is</a:t>
+            </a:r>
+            <a:r>
+              <a:rPr lang="zh-CN" altLang="en-US" dirty="0"/>
+              <a:t> </a:t>
+            </a:r>
+            <a:r>
+              <a:rPr lang="en-US" altLang="zh-CN" dirty="0"/>
+              <a:t>harder,</a:t>
+            </a:r>
+            <a:r>
+              <a:rPr lang="zh-CN" altLang="en-US" dirty="0"/>
+              <a:t> </a:t>
+            </a:r>
+            <a:r>
+              <a:rPr lang="en-US" altLang="zh-CN" dirty="0"/>
+              <a:t>since</a:t>
+            </a:r>
+            <a:r>
+              <a:rPr lang="zh-CN" altLang="en-US" dirty="0"/>
+              <a:t> </a:t>
+            </a:r>
+            <a:r>
+              <a:rPr lang="en-US" altLang="zh-CN" dirty="0"/>
+              <a:t>textures</a:t>
+            </a:r>
+            <a:r>
+              <a:rPr lang="zh-CN" altLang="en-US" dirty="0"/>
+              <a:t> </a:t>
+            </a:r>
+            <a:r>
+              <a:rPr lang="en-US" altLang="zh-CN" dirty="0"/>
+              <a:t>are</a:t>
+            </a:r>
+            <a:r>
+              <a:rPr lang="zh-CN" altLang="en-US" dirty="0"/>
+              <a:t> </a:t>
+            </a:r>
+            <a:r>
+              <a:rPr lang="en-US" altLang="zh-CN" dirty="0"/>
+              <a:t>no</a:t>
+            </a:r>
+            <a:r>
+              <a:rPr lang="zh-CN" altLang="en-US" dirty="0"/>
+              <a:t> </a:t>
+            </a:r>
+            <a:r>
+              <a:rPr lang="en-US" altLang="zh-CN" dirty="0"/>
+              <a:t>longer</a:t>
+            </a:r>
+            <a:r>
+              <a:rPr lang="zh-CN" altLang="en-US" dirty="0"/>
+              <a:t> </a:t>
+            </a:r>
+            <a:r>
+              <a:rPr lang="en-US" altLang="zh-CN" dirty="0"/>
+              <a:t>predictive</a:t>
+            </a:r>
+          </a:p>
+          <a:p>
+            <a:pPr marL="285750" indent="-285750">
               <a:buFont typeface="Arial" panose="020B0604020202020204" pitchFamily="34" charset="0"/>
               <a:buChar char="•"/>
             </a:pPr>
             <a:r>
               <a:rPr lang="en-US" altLang="zh-CN" dirty="0"/>
+              <a:t>Standard</a:t>
+            </a:r>
+            <a:r>
+              <a:rPr lang="zh-CN" altLang="en-US" dirty="0"/>
+              <a:t> </a:t>
+            </a:r>
+            <a:r>
+              <a:rPr lang="en-US" altLang="zh-CN" dirty="0"/>
+              <a:t>ResNet-50</a:t>
+            </a:r>
+            <a:r>
+              <a:rPr lang="zh-CN" altLang="en-US" dirty="0"/>
+              <a:t> </a:t>
+            </a:r>
+            <a:r>
+              <a:rPr lang="en-US" altLang="zh-CN" dirty="0"/>
+              <a:t>trained</a:t>
+            </a:r>
+            <a:r>
+              <a:rPr lang="zh-CN" altLang="en-US" dirty="0"/>
+              <a:t> </a:t>
+            </a:r>
+            <a:r>
+              <a:rPr lang="en-US" altLang="zh-CN" dirty="0"/>
+              <a:t>on</a:t>
+            </a:r>
+            <a:r>
+              <a:rPr lang="zh-CN" altLang="en-US" dirty="0"/>
+              <a:t> </a:t>
+            </a:r>
+            <a:r>
+              <a:rPr lang="en-US" altLang="zh-CN" dirty="0"/>
               <a:t>SIN</a:t>
             </a:r>
             <a:r>
@@ -6551,55 +8642,110 @@
             </a:r>
             <a:r>
               <a:rPr lang="en-US" altLang="zh-CN" dirty="0"/>
-              <a:t>(orange</a:t>
-            </a:r>
-            <a:r>
-              <a:rPr lang="zh-CN" altLang="en-US" dirty="0"/>
-              <a:t> </a:t>
-            </a:r>
-            <a:r>
-              <a:rPr lang="en-US" altLang="zh-CN" dirty="0"/>
-              <a:t>squares)</a:t>
-            </a:r>
-            <a:r>
-              <a:rPr lang="zh-CN" altLang="en-US" dirty="0"/>
-              <a:t> </a:t>
-            </a:r>
-            <a:r>
-              <a:rPr lang="en-US" altLang="zh-CN" dirty="0"/>
-              <a:t>are</a:t>
-            </a:r>
-            <a:r>
-              <a:rPr lang="zh-CN" altLang="en-US" dirty="0"/>
-              <a:t> </a:t>
-            </a:r>
-            <a:r>
-              <a:rPr lang="en-US" altLang="zh-CN" dirty="0"/>
-              <a:t>more</a:t>
-            </a:r>
-            <a:r>
-              <a:rPr lang="zh-CN" altLang="en-US" dirty="0"/>
-              <a:t> </a:t>
-            </a:r>
-            <a:r>
-              <a:rPr lang="en-US" altLang="zh-CN" dirty="0"/>
-              <a:t>towards</a:t>
-            </a:r>
-            <a:r>
-              <a:rPr lang="zh-CN" altLang="en-US" dirty="0"/>
-              <a:t> </a:t>
-            </a:r>
-            <a:r>
-              <a:rPr lang="en-US" altLang="zh-CN" dirty="0"/>
-              <a:t>shape</a:t>
-            </a:r>
-            <a:r>
-              <a:rPr lang="zh-CN" altLang="en-US" dirty="0"/>
-              <a:t> </a:t>
-            </a:r>
-            <a:r>
-              <a:rPr lang="en-US" altLang="zh-CN" dirty="0"/>
-              <a:t>comparing</a:t>
+              <a:t>with</a:t>
+            </a:r>
+            <a:r>
+              <a:rPr lang="zh-CN" altLang="en-US" dirty="0"/>
+              <a:t> </a:t>
+            </a:r>
+            <a:r>
+              <a:rPr lang="en-US" altLang="zh-CN" dirty="0"/>
+              <a:t>79.0%</a:t>
+            </a:r>
+            <a:r>
+              <a:rPr lang="zh-CN" altLang="en-US" dirty="0"/>
+              <a:t> </a:t>
+            </a:r>
+            <a:r>
+              <a:rPr lang="en-US" altLang="zh-CN" dirty="0"/>
+              <a:t>top-5</a:t>
+            </a:r>
+            <a:r>
+              <a:rPr lang="zh-CN" altLang="en-US" dirty="0"/>
+              <a:t> </a:t>
+            </a:r>
+            <a:r>
+              <a:rPr lang="en-US" altLang="zh-CN" dirty="0"/>
+              <a:t>accuracy,</a:t>
+            </a:r>
+            <a:r>
+              <a:rPr lang="zh-CN" altLang="en-US" dirty="0"/>
+              <a:t> </a:t>
+            </a:r>
+            <a:r>
+              <a:rPr lang="en-US" altLang="zh-CN" dirty="0"/>
+              <a:t>lower</a:t>
+            </a:r>
+            <a:r>
+              <a:rPr lang="zh-CN" altLang="en-US" dirty="0"/>
+              <a:t> </a:t>
+            </a:r>
+            <a:r>
+              <a:rPr lang="en-US" altLang="zh-CN" dirty="0"/>
+              <a:t>than</a:t>
+            </a:r>
+            <a:r>
+              <a:rPr lang="zh-CN" altLang="en-US" dirty="0"/>
+              <a:t> </a:t>
+            </a:r>
+            <a:r>
+              <a:rPr lang="en-US" altLang="zh-CN" dirty="0"/>
+              <a:t>92.9%</a:t>
+            </a:r>
+            <a:r>
+              <a:rPr lang="zh-CN" altLang="en-US" dirty="0"/>
+              <a:t> </a:t>
+            </a:r>
+            <a:r>
+              <a:rPr lang="en-US" altLang="zh-CN" dirty="0"/>
+              <a:t>on</a:t>
+            </a:r>
+            <a:r>
+              <a:rPr lang="zh-CN" altLang="en-US" dirty="0"/>
+              <a:t> </a:t>
+            </a:r>
+            <a:r>
+              <a:rPr lang="en-US" altLang="zh-CN" dirty="0"/>
+              <a:t>IN.</a:t>
+            </a:r>
+            <a:r>
+              <a:rPr lang="zh-CN" altLang="en-US" dirty="0"/>
+              <a:t> </a:t>
+            </a:r>
+            <a:endParaRPr lang="en-AU" altLang="zh-CN" dirty="0"/>
+          </a:p>
+          <a:p>
+            <a:pPr marL="285750" indent="-285750">
+              <a:buFont typeface="Arial" panose="020B0604020202020204" pitchFamily="34" charset="0"/>
+              <a:buChar char="•"/>
+            </a:pPr>
+            <a:r>
+              <a:rPr lang="en-US" altLang="zh-CN" dirty="0"/>
+              <a:t>ImageNet</a:t>
+            </a:r>
+            <a:r>
+              <a:rPr lang="zh-CN" altLang="en-US" dirty="0"/>
+              <a:t> </a:t>
+            </a:r>
+            <a:r>
+              <a:rPr lang="en-US" altLang="zh-CN" dirty="0"/>
+              <a:t>features</a:t>
+            </a:r>
+            <a:r>
+              <a:rPr lang="zh-CN" altLang="en-US" dirty="0"/>
+              <a:t> </a:t>
+            </a:r>
+            <a:r>
+              <a:rPr lang="en-US" altLang="zh-CN" dirty="0"/>
+              <a:t>generalize</a:t>
+            </a:r>
+            <a:r>
+              <a:rPr lang="zh-CN" altLang="en-US" dirty="0"/>
+              <a:t> </a:t>
+            </a:r>
+            <a:r>
+              <a:rPr lang="en-US" altLang="zh-CN" dirty="0"/>
+              <a:t>poorly</a:t>
             </a:r>
             <a:r>
               <a:rPr lang="zh-CN" altLang="en-US" dirty="0"/>
@@ -6615,6 +8761,65 @@
             </a:r>
             <a:r>
               <a:rPr lang="en-US" altLang="zh-CN" dirty="0"/>
+              <a:t>SIN</a:t>
+            </a:r>
+            <a:r>
+              <a:rPr lang="zh-CN" altLang="en-US" dirty="0"/>
+              <a:t> </a:t>
+            </a:r>
+            <a:r>
+              <a:rPr lang="en-US" altLang="zh-CN" dirty="0"/>
+              <a:t>(16.4%)</a:t>
+            </a:r>
+            <a:endParaRPr lang="en-AU" altLang="zh-CN" dirty="0"/>
+          </a:p>
+          <a:p>
+            <a:pPr marL="285750" indent="-285750">
+              <a:buFont typeface="Arial" panose="020B0604020202020204" pitchFamily="34" charset="0"/>
+              <a:buChar char="•"/>
+            </a:pPr>
+            <a:r>
+              <a:rPr lang="en-US" altLang="zh-CN" dirty="0"/>
+              <a:t>SIN</a:t>
+            </a:r>
+            <a:r>
+              <a:rPr lang="zh-CN" altLang="en-US" dirty="0"/>
+              <a:t> </a:t>
+            </a:r>
+            <a:r>
+              <a:rPr lang="en-US" altLang="zh-CN" dirty="0"/>
+              <a:t>features</a:t>
+            </a:r>
+            <a:r>
+              <a:rPr lang="zh-CN" altLang="en-US" dirty="0"/>
+              <a:t> </a:t>
+            </a:r>
+            <a:r>
+              <a:rPr lang="en-US" altLang="zh-CN" dirty="0"/>
+              <a:t>generalize</a:t>
+            </a:r>
+            <a:r>
+              <a:rPr lang="zh-CN" altLang="en-US" dirty="0"/>
+              <a:t> </a:t>
+            </a:r>
+            <a:r>
+              <a:rPr lang="en-US" altLang="zh-CN" dirty="0"/>
+              <a:t>well</a:t>
+            </a:r>
+            <a:r>
+              <a:rPr lang="zh-CN" altLang="en-US" dirty="0"/>
+              <a:t> </a:t>
+            </a:r>
+            <a:r>
+              <a:rPr lang="en-US" altLang="zh-CN" dirty="0"/>
+              <a:t>to</a:t>
+            </a:r>
+            <a:r>
+              <a:rPr lang="zh-CN" altLang="en-US" dirty="0"/>
+              <a:t> </a:t>
+            </a:r>
+            <a:r>
+              <a:rPr lang="en-US" altLang="zh-CN" dirty="0"/>
               <a:t>IN</a:t>
             </a:r>
             <a:r>
@@ -6623,15 +8828,138 @@
             </a:r>
             <a:r>
               <a:rPr lang="en-US" altLang="zh-CN" dirty="0"/>
-              <a:t>(grey</a:t>
-            </a:r>
-            <a:r>
-              <a:rPr lang="zh-CN" altLang="en-US" dirty="0"/>
-              <a:t> </a:t>
-            </a:r>
-            <a:r>
-              <a:rPr lang="en-US" altLang="zh-CN" dirty="0"/>
-              <a:t>squares)</a:t>
+              <a:t>(82.6%)</a:t>
+            </a:r>
+          </a:p>
+          <a:p>
+            <a:pPr marL="0" indent="0"/>
+            <a:endParaRPr lang="en-US" altLang="zh-CN" dirty="0"/>
+          </a:p>
+          <a:p>
+            <a:pPr marL="0" indent="0"/>
+            <a:r>
+              <a:rPr lang="en-US" altLang="zh-CN" dirty="0"/>
+              <a:t>Network:</a:t>
+            </a:r>
+            <a:r>
+              <a:rPr lang="zh-CN" altLang="en-US" dirty="0"/>
+              <a:t> </a:t>
+            </a:r>
+            <a:r>
+              <a:rPr lang="en-US" altLang="zh-CN" dirty="0" err="1"/>
+              <a:t>BagNets</a:t>
+            </a:r>
+            <a:r>
+              <a:rPr lang="zh-CN" altLang="en-US" dirty="0"/>
+              <a:t> </a:t>
+            </a:r>
+            <a:r>
+              <a:rPr lang="en-US" altLang="zh-CN" dirty="0"/>
+              <a:t>(ResNet-50</a:t>
+            </a:r>
+            <a:r>
+              <a:rPr lang="zh-CN" altLang="en-US" dirty="0"/>
+              <a:t> </a:t>
+            </a:r>
+            <a:r>
+              <a:rPr lang="en-US" altLang="zh-CN" dirty="0"/>
+              <a:t>architecture</a:t>
+            </a:r>
+            <a:r>
+              <a:rPr lang="zh-CN" altLang="en-US" dirty="0"/>
+              <a:t> </a:t>
+            </a:r>
+            <a:r>
+              <a:rPr lang="en-US" altLang="zh-CN" dirty="0"/>
+              <a:t>with</a:t>
+            </a:r>
+            <a:r>
+              <a:rPr lang="zh-CN" altLang="en-US" dirty="0"/>
+              <a:t> </a:t>
+            </a:r>
+            <a:r>
+              <a:rPr lang="en-US" altLang="zh-CN" dirty="0"/>
+              <a:t>maximum</a:t>
+            </a:r>
+            <a:r>
+              <a:rPr lang="zh-CN" altLang="en-US" dirty="0"/>
+              <a:t> </a:t>
+            </a:r>
+            <a:r>
+              <a:rPr lang="en-US" altLang="zh-CN" dirty="0"/>
+              <a:t>receptive</a:t>
+            </a:r>
+            <a:r>
+              <a:rPr lang="zh-CN" altLang="en-US" dirty="0"/>
+              <a:t> </a:t>
+            </a:r>
+            <a:r>
+              <a:rPr lang="en-US" altLang="zh-CN" dirty="0"/>
+              <a:t>field</a:t>
+            </a:r>
+            <a:r>
+              <a:rPr lang="zh-CN" altLang="en-US" dirty="0"/>
+              <a:t> </a:t>
+            </a:r>
+            <a:r>
+              <a:rPr lang="en-US" altLang="zh-CN" dirty="0"/>
+              <a:t>size</a:t>
+            </a:r>
+            <a:r>
+              <a:rPr lang="zh-CN" altLang="en-US" dirty="0"/>
+              <a:t> </a:t>
+            </a:r>
+            <a:r>
+              <a:rPr lang="en-US" altLang="zh-CN" dirty="0"/>
+              <a:t>is</a:t>
+            </a:r>
+            <a:r>
+              <a:rPr lang="zh-CN" altLang="en-US" dirty="0"/>
+              <a:t> </a:t>
+            </a:r>
+            <a:r>
+              <a:rPr lang="en-US" altLang="zh-CN" dirty="0"/>
+              <a:t>limited</a:t>
+            </a:r>
+            <a:r>
+              <a:rPr lang="zh-CN" altLang="en-US" dirty="0"/>
+              <a:t> </a:t>
+            </a:r>
+            <a:r>
+              <a:rPr lang="en-US" altLang="zh-CN" dirty="0"/>
+              <a:t>to</a:t>
+            </a:r>
+            <a:r>
+              <a:rPr lang="zh-CN" altLang="en-US" dirty="0"/>
+              <a:t> </a:t>
+            </a:r>
+            <a:r>
+              <a:rPr lang="en-US" altLang="zh-CN" dirty="0"/>
+              <a:t>9x9,</a:t>
+            </a:r>
+            <a:r>
+              <a:rPr lang="zh-CN" altLang="en-US" dirty="0"/>
+              <a:t> </a:t>
+            </a:r>
+            <a:r>
+              <a:rPr lang="en-US" altLang="zh-CN" dirty="0"/>
+              <a:t>17x17</a:t>
+            </a:r>
+            <a:r>
+              <a:rPr lang="zh-CN" altLang="en-US" dirty="0"/>
+              <a:t> </a:t>
+            </a:r>
+            <a:r>
+              <a:rPr lang="en-US" altLang="zh-CN" dirty="0"/>
+              <a:t>or</a:t>
+            </a:r>
+            <a:r>
+              <a:rPr lang="zh-CN" altLang="en-US" dirty="0"/>
+              <a:t> </a:t>
+            </a:r>
+            <a:r>
+              <a:rPr lang="en-US" altLang="zh-CN" dirty="0"/>
+              <a:t>33x33)</a:t>
             </a:r>
             <a:endParaRPr lang="en-AU" altLang="zh-CN" dirty="0"/>
           </a:p>
@@ -6661,7 +8989,7 @@
             <a:fld id="{5C213CF7-9790-6548-95A9-51DD9168E4DE}" type="slidenum">
               <a:rPr lang="en-US" smtClean="0"/>
               <a:pPr/>
-              <a:t>7</a:t>
+              <a:t>8</a:t>
             </a:fld>
             <a:endParaRPr lang="en-US" dirty="0"/>
           </a:p>
@@ -6681,8 +9009,8 @@
         </p:nvSpPr>
         <p:spPr>
           <a:xfrm>
-            <a:off x="2445456" y="5839338"/>
-            <a:ext cx="4253087" cy="269304"/>
+            <a:off x="2108037" y="5437675"/>
+            <a:ext cx="4927952" cy="269304"/>
           </a:xfrm>
           <a:prstGeom prst="rect">
             <a:avLst/>
@@ -6751,7 +9079,7 @@
                 <a:ea typeface="+mn-ea"/>
                 <a:cs typeface="+mn-cs"/>
               </a:rPr>
-              <a:t>6:</a:t>
+              <a:t>5:</a:t>
             </a:r>
             <a:r>
               <a:rPr kumimoji="0" lang="zh-CN" altLang="en-US" sz="1150" b="1" i="0" u="none" strike="noStrike" kern="1200" cap="none" spc="0" normalizeH="0" baseline="0" noProof="0" dirty="0">
@@ -6771,6 +9099,47 @@
               <a:t> </a:t>
             </a:r>
             <a:r>
+              <a:rPr lang="en-US" altLang="zh-CN" sz="1150" b="1" dirty="0">
+                <a:latin typeface="Sommet bold"/>
+                <a:ea typeface="+mn-ea"/>
+              </a:rPr>
+              <a:t>A</a:t>
+            </a:r>
+            <a:r>
+              <a:rPr kumimoji="0" lang="en-US" altLang="zh-CN" sz="1150" b="1" i="0" u="none" strike="noStrike" kern="1200" cap="none" spc="0" normalizeH="0" baseline="0" noProof="0" dirty="0" err="1">
+                <a:ln>
+                  <a:noFill/>
+                </a:ln>
+                <a:solidFill>
+                  <a:schemeClr val="tx1"/>
+                </a:solidFill>
+                <a:effectLst/>
+                <a:uLnTx/>
+                <a:uFillTx/>
+                <a:latin typeface="Sommet bold"/>
+                <a:ea typeface="+mn-ea"/>
+                <a:cs typeface="+mn-cs"/>
+              </a:rPr>
+              <a:t>ccuracy</a:t>
+            </a:r>
+            <a:r>
+              <a:rPr kumimoji="0" lang="zh-CN" altLang="en-US" sz="1150" b="1" i="0" u="none" strike="noStrike" kern="1200" cap="none" spc="0" normalizeH="0" baseline="0" noProof="0" dirty="0">
+                <a:ln>
+                  <a:noFill/>
+                </a:ln>
+                <a:solidFill>
+                  <a:schemeClr val="tx1"/>
+                </a:solidFill>
+                <a:effectLst/>
+                <a:uLnTx/>
+                <a:uFillTx/>
+                <a:latin typeface="Sommet bold"/>
+                <a:ea typeface="+mn-ea"/>
+                <a:cs typeface="+mn-cs"/>
+              </a:rPr>
+              <a:t> </a:t>
+            </a:r>
+            <a:r>
               <a:rPr kumimoji="0" lang="en-US" altLang="zh-CN" sz="1150" b="1" i="0" u="none" strike="noStrike" kern="1200" cap="none" spc="0" normalizeH="0" baseline="0" noProof="0" dirty="0">
                 <a:ln>
                   <a:noFill/>
@@ -6785,7 +9154,7 @@
                 <a:ea typeface="+mn-ea"/>
                 <a:cs typeface="+mn-cs"/>
               </a:rPr>
-              <a:t>Classification</a:t>
+              <a:t>comparison</a:t>
             </a:r>
             <a:r>
               <a:rPr kumimoji="0" lang="zh-CN" altLang="en-US" sz="1150" b="1" i="0" u="none" strike="noStrike" kern="1200" cap="none" spc="0" normalizeH="0" baseline="0" noProof="0" dirty="0">
@@ -6819,7 +9188,7 @@
                 <a:ea typeface="+mn-ea"/>
                 <a:cs typeface="+mn-cs"/>
               </a:rPr>
-              <a:t>result</a:t>
+              <a:t>with</a:t>
             </a:r>
             <a:r>
               <a:rPr kumimoji="0" lang="zh-CN" altLang="en-US" sz="1150" b="1" i="0" u="none" strike="noStrike" kern="1200" cap="none" spc="0" normalizeH="0" baseline="0" noProof="0" dirty="0">
@@ -6853,7 +9222,7 @@
                 <a:ea typeface="+mn-ea"/>
                 <a:cs typeface="+mn-cs"/>
               </a:rPr>
-              <a:t>using</a:t>
+              <a:t>IN</a:t>
             </a:r>
             <a:r>
               <a:rPr kumimoji="0" lang="zh-CN" altLang="en-US" sz="1150" b="1" i="0" u="none" strike="noStrike" kern="1200" cap="none" spc="0" normalizeH="0" baseline="0" noProof="0" dirty="0">
@@ -6887,7 +9256,7 @@
                 <a:ea typeface="+mn-ea"/>
                 <a:cs typeface="+mn-cs"/>
               </a:rPr>
-              <a:t>IN</a:t>
+              <a:t>as</a:t>
             </a:r>
             <a:r>
               <a:rPr kumimoji="0" lang="zh-CN" altLang="en-US" sz="1150" b="1" i="0" u="none" strike="noStrike" kern="1200" cap="none" spc="0" normalizeH="0" baseline="0" noProof="0" dirty="0">
@@ -6921,7 +9290,7 @@
                 <a:ea typeface="+mn-ea"/>
                 <a:cs typeface="+mn-cs"/>
               </a:rPr>
-              <a:t>and</a:t>
+              <a:t>validation</a:t>
             </a:r>
             <a:r>
               <a:rPr kumimoji="0" lang="zh-CN" altLang="en-US" sz="1150" b="1" i="0" u="none" strike="noStrike" kern="1200" cap="none" spc="0" normalizeH="0" baseline="0" noProof="0" dirty="0">
@@ -6955,12 +9324,22 @@
                 <a:ea typeface="+mn-ea"/>
                 <a:cs typeface="+mn-cs"/>
               </a:rPr>
-              <a:t>SIN</a:t>
-            </a:r>
-            <a:r>
-              <a:rPr lang="zh-CN" altLang="en-US" sz="1150" b="1" dirty="0">
-                <a:latin typeface="Sommet bold"/>
-                <a:ea typeface="+mn-ea"/>
+              <a:t>data</a:t>
+            </a:r>
+            <a:r>
+              <a:rPr kumimoji="0" lang="zh-CN" altLang="en-US" sz="1150" b="1" i="0" u="none" strike="noStrike" kern="1200" cap="none" spc="0" normalizeH="0" baseline="0" noProof="0" dirty="0">
+                <a:ln>
+                  <a:noFill/>
+                </a:ln>
+                <a:solidFill>
+                  <a:schemeClr val="tx1"/>
+                </a:solidFill>
+                <a:effectLst/>
+                <a:uLnTx/>
+                <a:uFillTx/>
+                <a:latin typeface="Sommet bold"/>
+                <a:ea typeface="+mn-ea"/>
+                <a:cs typeface="+mn-cs"/>
               </a:rPr>
               <a:t> </a:t>
             </a:r>
@@ -6991,7 +9370,7 @@
     </p:spTree>
     <p:extLst>
       <p:ext uri="{BB962C8B-B14F-4D97-AF65-F5344CB8AC3E}">
-        <p14:creationId xmlns:p14="http://schemas.microsoft.com/office/powerpoint/2010/main" val="2474342593"/>
+        <p14:creationId xmlns:p14="http://schemas.microsoft.com/office/powerpoint/2010/main" val="746223984"/>
       </p:ext>
     </p:extLst>
   </p:cSld>
@@ -7870,7 +10249,12 @@
 </file>
 
 <file path=customXml/item1.xml><?xml version="1.0" encoding="utf-8"?>
-<LongProperties xmlns="http://schemas.microsoft.com/office/2006/metadata/longProperties"/>
+<?mso-contentType ?>
+<FormTemplates xmlns="http://schemas.microsoft.com/sharepoint/v3/contenttype/forms">
+  <Display>DocumentLibraryForm</Display>
+  <Edit>DocumentLibraryForm</Edit>
+  <New>DocumentLibraryForm</New>
+</FormTemplates>
 </file>
 
 <file path=customXml/item2.xml><?xml version="1.0" encoding="utf-8"?>
@@ -8100,18 +10484,13 @@
 </file>
 
 <file path=customXml/item3.xml><?xml version="1.0" encoding="utf-8"?>
-<?mso-contentType ?>
-<FormTemplates xmlns="http://schemas.microsoft.com/sharepoint/v3/contenttype/forms">
-  <Display>DocumentLibraryForm</Display>
-  <Edit>DocumentLibraryForm</Edit>
-  <New>DocumentLibraryForm</New>
-</FormTemplates>
+<LongProperties xmlns="http://schemas.microsoft.com/office/2006/metadata/longProperties"/>
 </file>
 
 <file path=customXml/itemProps1.xml><?xml version="1.0" encoding="utf-8"?>
-<ds:datastoreItem xmlns:ds="http://schemas.openxmlformats.org/officeDocument/2006/customXml" ds:itemID="{F77A88D3-C8FA-43F4-B901-104849B358DC}">
+<ds:datastoreItem xmlns:ds="http://schemas.openxmlformats.org/officeDocument/2006/customXml" ds:itemID="{72AF81F6-8F2A-47D5-9E54-F37BF3E413E5}">
   <ds:schemaRefs>
-    <ds:schemaRef ds:uri="http://schemas.microsoft.com/office/2006/metadata/longProperties"/>
+    <ds:schemaRef ds:uri="http://schemas.microsoft.com/sharepoint/v3/contenttype/forms"/>
   </ds:schemaRefs>
 </ds:datastoreItem>
 </file>
@@ -8136,9 +10515,9 @@
 </file>
 
 <file path=customXml/itemProps3.xml><?xml version="1.0" encoding="utf-8"?>
-<ds:datastoreItem xmlns:ds="http://schemas.openxmlformats.org/officeDocument/2006/customXml" ds:itemID="{72AF81F6-8F2A-47D5-9E54-F37BF3E413E5}">
+<ds:datastoreItem xmlns:ds="http://schemas.openxmlformats.org/officeDocument/2006/customXml" ds:itemID="{F77A88D3-C8FA-43F4-B901-104849B358DC}">
   <ds:schemaRefs>
-    <ds:schemaRef ds:uri="http://schemas.microsoft.com/sharepoint/v3/contenttype/forms"/>
+    <ds:schemaRef ds:uri="http://schemas.microsoft.com/office/2006/metadata/longProperties"/>
   </ds:schemaRefs>
 </ds:datastoreItem>
 </file>